--- a/figures/figure_sample.pptx
+++ b/figures/figure_sample.pptx
@@ -1,14 +1,17 @@
 
 <file path=ppt/presentation.xml><?xml version="1.0" encoding="utf-8"?>
-<p:presentation xmlns:a="http://schemas.openxmlformats.org/drawingml/2006/main" xmlns:r="http://schemas.openxmlformats.org/officeDocument/2006/relationships" xmlns:p="http://schemas.openxmlformats.org/presentationml/2006/main" saveSubsetFonts="1" autoCompressPictures="0">
+<p:presentation xmlns:a="http://schemas.openxmlformats.org/drawingml/2006/main" xmlns:r="http://schemas.openxmlformats.org/officeDocument/2006/relationships" xmlns:p="http://schemas.openxmlformats.org/presentationml/2006/main" autoCompressPictures="0">
   <p:sldMasterIdLst>
-    <p:sldMasterId id="2147483660" r:id="rId1"/>
+    <p:sldMasterId id="2147483648" r:id="rId1"/>
   </p:sldMasterIdLst>
   <p:sldIdLst>
-    <p:sldId id="256" r:id="rId2"/>
+    <p:sldId id="256" r:id="rId3"/>
   </p:sldIdLst>
   <p:sldSz cx="12192000" cy="3527425"/>
   <p:notesSz cx="6858000" cy="9144000"/>
+  <p:custDataLst>
+    <p:tags r:id="rId7"/>
+  </p:custDataLst>
   <p:defaultTextStyle>
     <a:defPPr>
       <a:defRPr lang="en-US"/>
@@ -107,7 +110,7 @@
   <p:extLst>
     <p:ext uri="{EFAFB233-063F-42B5-8137-9DF3F51BA10A}">
       <p15:sldGuideLst xmlns:p15="http://schemas.microsoft.com/office/powerpoint/2012/main">
-        <p15:guide id="1" orient="horz" pos="1111" userDrawn="1">
+        <p15:guide id="1" orient="horz" pos="1089" userDrawn="1">
           <p15:clr>
             <a:srgbClr val="A4A3A4"/>
           </p15:clr>
@@ -160,7 +163,7 @@
           <a:bodyPr anchor="b"/>
           <a:lstStyle>
             <a:lvl1pPr algn="ctr">
-              <a:defRPr sz="3086"/>
+              <a:defRPr sz="3085"/>
             </a:lvl1pPr>
           </a:lstStyle>
           <a:p>
@@ -195,37 +198,37 @@
               <a:buNone/>
               <a:defRPr sz="1235"/>
             </a:lvl1pPr>
-            <a:lvl2pPr marL="235184" indent="0" algn="ctr">
-              <a:buNone/>
-              <a:defRPr sz="1029"/>
+            <a:lvl2pPr marL="234950" indent="0" algn="ctr">
+              <a:buNone/>
+              <a:defRPr sz="1030"/>
             </a:lvl2pPr>
-            <a:lvl3pPr marL="470367" indent="0" algn="ctr">
-              <a:buNone/>
-              <a:defRPr sz="926"/>
+            <a:lvl3pPr marL="470535" indent="0" algn="ctr">
+              <a:buNone/>
+              <a:defRPr sz="925"/>
             </a:lvl3pPr>
-            <a:lvl4pPr marL="705551" indent="0" algn="ctr">
-              <a:buNone/>
-              <a:defRPr sz="823"/>
+            <a:lvl4pPr marL="705485" indent="0" algn="ctr">
+              <a:buNone/>
+              <a:defRPr sz="825"/>
             </a:lvl4pPr>
-            <a:lvl5pPr marL="940735" indent="0" algn="ctr">
-              <a:buNone/>
-              <a:defRPr sz="823"/>
+            <a:lvl5pPr marL="940435" indent="0" algn="ctr">
+              <a:buNone/>
+              <a:defRPr sz="825"/>
             </a:lvl5pPr>
-            <a:lvl6pPr marL="1175918" indent="0" algn="ctr">
-              <a:buNone/>
-              <a:defRPr sz="823"/>
+            <a:lvl6pPr marL="1176020" indent="0" algn="ctr">
+              <a:buNone/>
+              <a:defRPr sz="825"/>
             </a:lvl6pPr>
-            <a:lvl7pPr marL="1411102" indent="0" algn="ctr">
-              <a:buNone/>
-              <a:defRPr sz="823"/>
+            <a:lvl7pPr marL="1410970" indent="0" algn="ctr">
+              <a:buNone/>
+              <a:defRPr sz="825"/>
             </a:lvl7pPr>
-            <a:lvl8pPr marL="1646286" indent="0" algn="ctr">
-              <a:buNone/>
-              <a:defRPr sz="823"/>
+            <a:lvl8pPr marL="1646555" indent="0" algn="ctr">
+              <a:buNone/>
+              <a:defRPr sz="825"/>
             </a:lvl8pPr>
-            <a:lvl9pPr marL="1881469" indent="0" algn="ctr">
-              <a:buNone/>
-              <a:defRPr sz="823"/>
+            <a:lvl9pPr marL="1881505" indent="0" algn="ctr">
+              <a:buNone/>
+              <a:defRPr sz="825"/>
             </a:lvl9pPr>
           </a:lstStyle>
           <a:p>
@@ -254,7 +257,6 @@
           <a:p>
             <a:fld id="{32DA9CA3-1682-4D49-BD84-33DE32D3C0F7}" type="datetimeFigureOut">
               <a:rPr lang="en-US" smtClean="0"/>
-              <a:t>6/10/23</a:t>
             </a:fld>
             <a:endParaRPr lang="en-US"/>
           </a:p>
@@ -296,18 +298,12 @@
           <a:p>
             <a:fld id="{56040734-3020-B24F-9D43-20822771C920}" type="slidenum">
               <a:rPr lang="en-US" smtClean="0"/>
-              <a:t>‹#›</a:t>
             </a:fld>
             <a:endParaRPr lang="en-US"/>
           </a:p>
         </p:txBody>
       </p:sp>
     </p:spTree>
-    <p:extLst>
-      <p:ext uri="{BB962C8B-B14F-4D97-AF65-F5344CB8AC3E}">
-        <p14:creationId xmlns:p14="http://schemas.microsoft.com/office/powerpoint/2010/main" val="3885460137"/>
-      </p:ext>
-    </p:extLst>
   </p:cSld>
   <p:clrMapOvr>
     <a:masterClrMapping/>
@@ -375,6 +371,7 @@
               <a:rPr lang="en-US"/>
               <a:t>Click to edit Master text styles</a:t>
             </a:r>
+            <a:endParaRPr lang="en-US"/>
           </a:p>
           <a:p>
             <a:pPr lvl="1"/>
@@ -382,6 +379,7 @@
               <a:rPr lang="en-US"/>
               <a:t>Second level</a:t>
             </a:r>
+            <a:endParaRPr lang="en-US"/>
           </a:p>
           <a:p>
             <a:pPr lvl="2"/>
@@ -389,6 +387,7 @@
               <a:rPr lang="en-US"/>
               <a:t>Third level</a:t>
             </a:r>
+            <a:endParaRPr lang="en-US"/>
           </a:p>
           <a:p>
             <a:pPr lvl="3"/>
@@ -396,6 +395,7 @@
               <a:rPr lang="en-US"/>
               <a:t>Fourth level</a:t>
             </a:r>
+            <a:endParaRPr lang="en-US"/>
           </a:p>
           <a:p>
             <a:pPr lvl="4"/>
@@ -424,7 +424,6 @@
           <a:p>
             <a:fld id="{32DA9CA3-1682-4D49-BD84-33DE32D3C0F7}" type="datetimeFigureOut">
               <a:rPr lang="en-US" smtClean="0"/>
-              <a:t>6/10/23</a:t>
             </a:fld>
             <a:endParaRPr lang="en-US"/>
           </a:p>
@@ -466,18 +465,12 @@
           <a:p>
             <a:fld id="{56040734-3020-B24F-9D43-20822771C920}" type="slidenum">
               <a:rPr lang="en-US" smtClean="0"/>
-              <a:t>‹#›</a:t>
             </a:fld>
             <a:endParaRPr lang="en-US"/>
           </a:p>
         </p:txBody>
       </p:sp>
     </p:spTree>
-    <p:extLst>
-      <p:ext uri="{BB962C8B-B14F-4D97-AF65-F5344CB8AC3E}">
-        <p14:creationId xmlns:p14="http://schemas.microsoft.com/office/powerpoint/2010/main" val="1174201866"/>
-      </p:ext>
-    </p:extLst>
   </p:cSld>
   <p:clrMapOvr>
     <a:masterClrMapping/>
@@ -555,6 +548,7 @@
               <a:rPr lang="en-US"/>
               <a:t>Click to edit Master text styles</a:t>
             </a:r>
+            <a:endParaRPr lang="en-US"/>
           </a:p>
           <a:p>
             <a:pPr lvl="1"/>
@@ -562,6 +556,7 @@
               <a:rPr lang="en-US"/>
               <a:t>Second level</a:t>
             </a:r>
+            <a:endParaRPr lang="en-US"/>
           </a:p>
           <a:p>
             <a:pPr lvl="2"/>
@@ -569,6 +564,7 @@
               <a:rPr lang="en-US"/>
               <a:t>Third level</a:t>
             </a:r>
+            <a:endParaRPr lang="en-US"/>
           </a:p>
           <a:p>
             <a:pPr lvl="3"/>
@@ -576,6 +572,7 @@
               <a:rPr lang="en-US"/>
               <a:t>Fourth level</a:t>
             </a:r>
+            <a:endParaRPr lang="en-US"/>
           </a:p>
           <a:p>
             <a:pPr lvl="4"/>
@@ -604,7 +601,6 @@
           <a:p>
             <a:fld id="{32DA9CA3-1682-4D49-BD84-33DE32D3C0F7}" type="datetimeFigureOut">
               <a:rPr lang="en-US" smtClean="0"/>
-              <a:t>6/10/23</a:t>
             </a:fld>
             <a:endParaRPr lang="en-US"/>
           </a:p>
@@ -646,18 +642,12 @@
           <a:p>
             <a:fld id="{56040734-3020-B24F-9D43-20822771C920}" type="slidenum">
               <a:rPr lang="en-US" smtClean="0"/>
-              <a:t>‹#›</a:t>
             </a:fld>
             <a:endParaRPr lang="en-US"/>
           </a:p>
         </p:txBody>
       </p:sp>
     </p:spTree>
-    <p:extLst>
-      <p:ext uri="{BB962C8B-B14F-4D97-AF65-F5344CB8AC3E}">
-        <p14:creationId xmlns:p14="http://schemas.microsoft.com/office/powerpoint/2010/main" val="3136559502"/>
-      </p:ext>
-    </p:extLst>
   </p:cSld>
   <p:clrMapOvr>
     <a:masterClrMapping/>
@@ -725,6 +715,7 @@
               <a:rPr lang="en-US"/>
               <a:t>Click to edit Master text styles</a:t>
             </a:r>
+            <a:endParaRPr lang="en-US"/>
           </a:p>
           <a:p>
             <a:pPr lvl="1"/>
@@ -732,6 +723,7 @@
               <a:rPr lang="en-US"/>
               <a:t>Second level</a:t>
             </a:r>
+            <a:endParaRPr lang="en-US"/>
           </a:p>
           <a:p>
             <a:pPr lvl="2"/>
@@ -739,6 +731,7 @@
               <a:rPr lang="en-US"/>
               <a:t>Third level</a:t>
             </a:r>
+            <a:endParaRPr lang="en-US"/>
           </a:p>
           <a:p>
             <a:pPr lvl="3"/>
@@ -746,6 +739,7 @@
               <a:rPr lang="en-US"/>
               <a:t>Fourth level</a:t>
             </a:r>
+            <a:endParaRPr lang="en-US"/>
           </a:p>
           <a:p>
             <a:pPr lvl="4"/>
@@ -774,7 +768,6 @@
           <a:p>
             <a:fld id="{32DA9CA3-1682-4D49-BD84-33DE32D3C0F7}" type="datetimeFigureOut">
               <a:rPr lang="en-US" smtClean="0"/>
-              <a:t>6/10/23</a:t>
             </a:fld>
             <a:endParaRPr lang="en-US"/>
           </a:p>
@@ -816,18 +809,12 @@
           <a:p>
             <a:fld id="{56040734-3020-B24F-9D43-20822771C920}" type="slidenum">
               <a:rPr lang="en-US" smtClean="0"/>
-              <a:t>‹#›</a:t>
             </a:fld>
             <a:endParaRPr lang="en-US"/>
           </a:p>
         </p:txBody>
       </p:sp>
     </p:spTree>
-    <p:extLst>
-      <p:ext uri="{BB962C8B-B14F-4D97-AF65-F5344CB8AC3E}">
-        <p14:creationId xmlns:p14="http://schemas.microsoft.com/office/powerpoint/2010/main" val="4240081447"/>
-      </p:ext>
-    </p:extLst>
   </p:cSld>
   <p:clrMapOvr>
     <a:masterClrMapping/>
@@ -872,7 +859,7 @@
           <a:bodyPr anchor="b"/>
           <a:lstStyle>
             <a:lvl1pPr>
-              <a:defRPr sz="3086"/>
+              <a:defRPr sz="3085"/>
             </a:lvl1pPr>
           </a:lstStyle>
           <a:p>
@@ -913,9 +900,9 @@
                 </a:solidFill>
               </a:defRPr>
             </a:lvl1pPr>
-            <a:lvl2pPr marL="235184" indent="0">
-              <a:buNone/>
-              <a:defRPr sz="1029">
+            <a:lvl2pPr marL="234950" indent="0">
+              <a:buNone/>
+              <a:defRPr sz="1030">
                 <a:solidFill>
                   <a:schemeClr val="tx1">
                     <a:tint val="75000"/>
@@ -923,9 +910,9 @@
                 </a:solidFill>
               </a:defRPr>
             </a:lvl2pPr>
-            <a:lvl3pPr marL="470367" indent="0">
-              <a:buNone/>
-              <a:defRPr sz="926">
+            <a:lvl3pPr marL="470535" indent="0">
+              <a:buNone/>
+              <a:defRPr sz="925">
                 <a:solidFill>
                   <a:schemeClr val="tx1">
                     <a:tint val="75000"/>
@@ -933,9 +920,9 @@
                 </a:solidFill>
               </a:defRPr>
             </a:lvl3pPr>
-            <a:lvl4pPr marL="705551" indent="0">
-              <a:buNone/>
-              <a:defRPr sz="823">
+            <a:lvl4pPr marL="705485" indent="0">
+              <a:buNone/>
+              <a:defRPr sz="825">
                 <a:solidFill>
                   <a:schemeClr val="tx1">
                     <a:tint val="75000"/>
@@ -943,9 +930,9 @@
                 </a:solidFill>
               </a:defRPr>
             </a:lvl4pPr>
-            <a:lvl5pPr marL="940735" indent="0">
-              <a:buNone/>
-              <a:defRPr sz="823">
+            <a:lvl5pPr marL="940435" indent="0">
+              <a:buNone/>
+              <a:defRPr sz="825">
                 <a:solidFill>
                   <a:schemeClr val="tx1">
                     <a:tint val="75000"/>
@@ -953,9 +940,9 @@
                 </a:solidFill>
               </a:defRPr>
             </a:lvl5pPr>
-            <a:lvl6pPr marL="1175918" indent="0">
-              <a:buNone/>
-              <a:defRPr sz="823">
+            <a:lvl6pPr marL="1176020" indent="0">
+              <a:buNone/>
+              <a:defRPr sz="825">
                 <a:solidFill>
                   <a:schemeClr val="tx1">
                     <a:tint val="75000"/>
@@ -963,9 +950,9 @@
                 </a:solidFill>
               </a:defRPr>
             </a:lvl6pPr>
-            <a:lvl7pPr marL="1411102" indent="0">
-              <a:buNone/>
-              <a:defRPr sz="823">
+            <a:lvl7pPr marL="1410970" indent="0">
+              <a:buNone/>
+              <a:defRPr sz="825">
                 <a:solidFill>
                   <a:schemeClr val="tx1">
                     <a:tint val="75000"/>
@@ -973,9 +960,9 @@
                 </a:solidFill>
               </a:defRPr>
             </a:lvl7pPr>
-            <a:lvl8pPr marL="1646286" indent="0">
-              <a:buNone/>
-              <a:defRPr sz="823">
+            <a:lvl8pPr marL="1646555" indent="0">
+              <a:buNone/>
+              <a:defRPr sz="825">
                 <a:solidFill>
                   <a:schemeClr val="tx1">
                     <a:tint val="75000"/>
@@ -983,9 +970,9 @@
                 </a:solidFill>
               </a:defRPr>
             </a:lvl8pPr>
-            <a:lvl9pPr marL="1881469" indent="0">
-              <a:buNone/>
-              <a:defRPr sz="823">
+            <a:lvl9pPr marL="1881505" indent="0">
+              <a:buNone/>
+              <a:defRPr sz="825">
                 <a:solidFill>
                   <a:schemeClr val="tx1">
                     <a:tint val="75000"/>
@@ -1000,6 +987,7 @@
               <a:rPr lang="en-US"/>
               <a:t>Click to edit Master text styles</a:t>
             </a:r>
+            <a:endParaRPr lang="en-US"/>
           </a:p>
         </p:txBody>
       </p:sp>
@@ -1020,7 +1008,6 @@
           <a:p>
             <a:fld id="{32DA9CA3-1682-4D49-BD84-33DE32D3C0F7}" type="datetimeFigureOut">
               <a:rPr lang="en-US" smtClean="0"/>
-              <a:t>6/10/23</a:t>
             </a:fld>
             <a:endParaRPr lang="en-US"/>
           </a:p>
@@ -1062,18 +1049,12 @@
           <a:p>
             <a:fld id="{56040734-3020-B24F-9D43-20822771C920}" type="slidenum">
               <a:rPr lang="en-US" smtClean="0"/>
-              <a:t>‹#›</a:t>
             </a:fld>
             <a:endParaRPr lang="en-US"/>
           </a:p>
         </p:txBody>
       </p:sp>
     </p:spTree>
-    <p:extLst>
-      <p:ext uri="{BB962C8B-B14F-4D97-AF65-F5344CB8AC3E}">
-        <p14:creationId xmlns:p14="http://schemas.microsoft.com/office/powerpoint/2010/main" val="3814824889"/>
-      </p:ext>
-    </p:extLst>
   </p:cSld>
   <p:clrMapOvr>
     <a:masterClrMapping/>
@@ -1146,6 +1127,7 @@
               <a:rPr lang="en-US"/>
               <a:t>Click to edit Master text styles</a:t>
             </a:r>
+            <a:endParaRPr lang="en-US"/>
           </a:p>
           <a:p>
             <a:pPr lvl="1"/>
@@ -1153,6 +1135,7 @@
               <a:rPr lang="en-US"/>
               <a:t>Second level</a:t>
             </a:r>
+            <a:endParaRPr lang="en-US"/>
           </a:p>
           <a:p>
             <a:pPr lvl="2"/>
@@ -1160,6 +1143,7 @@
               <a:rPr lang="en-US"/>
               <a:t>Third level</a:t>
             </a:r>
+            <a:endParaRPr lang="en-US"/>
           </a:p>
           <a:p>
             <a:pPr lvl="3"/>
@@ -1167,6 +1151,7 @@
               <a:rPr lang="en-US"/>
               <a:t>Fourth level</a:t>
             </a:r>
+            <a:endParaRPr lang="en-US"/>
           </a:p>
           <a:p>
             <a:pPr lvl="4"/>
@@ -1203,6 +1188,7 @@
               <a:rPr lang="en-US"/>
               <a:t>Click to edit Master text styles</a:t>
             </a:r>
+            <a:endParaRPr lang="en-US"/>
           </a:p>
           <a:p>
             <a:pPr lvl="1"/>
@@ -1210,6 +1196,7 @@
               <a:rPr lang="en-US"/>
               <a:t>Second level</a:t>
             </a:r>
+            <a:endParaRPr lang="en-US"/>
           </a:p>
           <a:p>
             <a:pPr lvl="2"/>
@@ -1217,6 +1204,7 @@
               <a:rPr lang="en-US"/>
               <a:t>Third level</a:t>
             </a:r>
+            <a:endParaRPr lang="en-US"/>
           </a:p>
           <a:p>
             <a:pPr lvl="3"/>
@@ -1224,6 +1212,7 @@
               <a:rPr lang="en-US"/>
               <a:t>Fourth level</a:t>
             </a:r>
+            <a:endParaRPr lang="en-US"/>
           </a:p>
           <a:p>
             <a:pPr lvl="4"/>
@@ -1252,7 +1241,6 @@
           <a:p>
             <a:fld id="{32DA9CA3-1682-4D49-BD84-33DE32D3C0F7}" type="datetimeFigureOut">
               <a:rPr lang="en-US" smtClean="0"/>
-              <a:t>6/10/23</a:t>
             </a:fld>
             <a:endParaRPr lang="en-US"/>
           </a:p>
@@ -1294,18 +1282,12 @@
           <a:p>
             <a:fld id="{56040734-3020-B24F-9D43-20822771C920}" type="slidenum">
               <a:rPr lang="en-US" smtClean="0"/>
-              <a:t>‹#›</a:t>
             </a:fld>
             <a:endParaRPr lang="en-US"/>
           </a:p>
         </p:txBody>
       </p:sp>
     </p:spTree>
-    <p:extLst>
-      <p:ext uri="{BB962C8B-B14F-4D97-AF65-F5344CB8AC3E}">
-        <p14:creationId xmlns:p14="http://schemas.microsoft.com/office/powerpoint/2010/main" val="317599393"/>
-      </p:ext>
-    </p:extLst>
   </p:cSld>
   <p:clrMapOvr>
     <a:masterClrMapping/>
@@ -1381,37 +1363,37 @@
               <a:buNone/>
               <a:defRPr sz="1235" b="1"/>
             </a:lvl1pPr>
-            <a:lvl2pPr marL="235184" indent="0">
-              <a:buNone/>
-              <a:defRPr sz="1029" b="1"/>
+            <a:lvl2pPr marL="234950" indent="0">
+              <a:buNone/>
+              <a:defRPr sz="1030" b="1"/>
             </a:lvl2pPr>
-            <a:lvl3pPr marL="470367" indent="0">
-              <a:buNone/>
-              <a:defRPr sz="926" b="1"/>
+            <a:lvl3pPr marL="470535" indent="0">
+              <a:buNone/>
+              <a:defRPr sz="925" b="1"/>
             </a:lvl3pPr>
-            <a:lvl4pPr marL="705551" indent="0">
-              <a:buNone/>
-              <a:defRPr sz="823" b="1"/>
+            <a:lvl4pPr marL="705485" indent="0">
+              <a:buNone/>
+              <a:defRPr sz="825" b="1"/>
             </a:lvl4pPr>
-            <a:lvl5pPr marL="940735" indent="0">
-              <a:buNone/>
-              <a:defRPr sz="823" b="1"/>
+            <a:lvl5pPr marL="940435" indent="0">
+              <a:buNone/>
+              <a:defRPr sz="825" b="1"/>
             </a:lvl5pPr>
-            <a:lvl6pPr marL="1175918" indent="0">
-              <a:buNone/>
-              <a:defRPr sz="823" b="1"/>
+            <a:lvl6pPr marL="1176020" indent="0">
+              <a:buNone/>
+              <a:defRPr sz="825" b="1"/>
             </a:lvl6pPr>
-            <a:lvl7pPr marL="1411102" indent="0">
-              <a:buNone/>
-              <a:defRPr sz="823" b="1"/>
+            <a:lvl7pPr marL="1410970" indent="0">
+              <a:buNone/>
+              <a:defRPr sz="825" b="1"/>
             </a:lvl7pPr>
-            <a:lvl8pPr marL="1646286" indent="0">
-              <a:buNone/>
-              <a:defRPr sz="823" b="1"/>
+            <a:lvl8pPr marL="1646555" indent="0">
+              <a:buNone/>
+              <a:defRPr sz="825" b="1"/>
             </a:lvl8pPr>
-            <a:lvl9pPr marL="1881469" indent="0">
-              <a:buNone/>
-              <a:defRPr sz="823" b="1"/>
+            <a:lvl9pPr marL="1881505" indent="0">
+              <a:buNone/>
+              <a:defRPr sz="825" b="1"/>
             </a:lvl9pPr>
           </a:lstStyle>
           <a:p>
@@ -1420,6 +1402,7 @@
               <a:rPr lang="en-US"/>
               <a:t>Click to edit Master text styles</a:t>
             </a:r>
+            <a:endParaRPr lang="en-US"/>
           </a:p>
         </p:txBody>
       </p:sp>
@@ -1448,6 +1431,7 @@
               <a:rPr lang="en-US"/>
               <a:t>Click to edit Master text styles</a:t>
             </a:r>
+            <a:endParaRPr lang="en-US"/>
           </a:p>
           <a:p>
             <a:pPr lvl="1"/>
@@ -1455,6 +1439,7 @@
               <a:rPr lang="en-US"/>
               <a:t>Second level</a:t>
             </a:r>
+            <a:endParaRPr lang="en-US"/>
           </a:p>
           <a:p>
             <a:pPr lvl="2"/>
@@ -1462,6 +1447,7 @@
               <a:rPr lang="en-US"/>
               <a:t>Third level</a:t>
             </a:r>
+            <a:endParaRPr lang="en-US"/>
           </a:p>
           <a:p>
             <a:pPr lvl="3"/>
@@ -1469,6 +1455,7 @@
               <a:rPr lang="en-US"/>
               <a:t>Fourth level</a:t>
             </a:r>
+            <a:endParaRPr lang="en-US"/>
           </a:p>
           <a:p>
             <a:pPr lvl="4"/>
@@ -1503,37 +1490,37 @@
               <a:buNone/>
               <a:defRPr sz="1235" b="1"/>
             </a:lvl1pPr>
-            <a:lvl2pPr marL="235184" indent="0">
-              <a:buNone/>
-              <a:defRPr sz="1029" b="1"/>
+            <a:lvl2pPr marL="234950" indent="0">
+              <a:buNone/>
+              <a:defRPr sz="1030" b="1"/>
             </a:lvl2pPr>
-            <a:lvl3pPr marL="470367" indent="0">
-              <a:buNone/>
-              <a:defRPr sz="926" b="1"/>
+            <a:lvl3pPr marL="470535" indent="0">
+              <a:buNone/>
+              <a:defRPr sz="925" b="1"/>
             </a:lvl3pPr>
-            <a:lvl4pPr marL="705551" indent="0">
-              <a:buNone/>
-              <a:defRPr sz="823" b="1"/>
+            <a:lvl4pPr marL="705485" indent="0">
+              <a:buNone/>
+              <a:defRPr sz="825" b="1"/>
             </a:lvl4pPr>
-            <a:lvl5pPr marL="940735" indent="0">
-              <a:buNone/>
-              <a:defRPr sz="823" b="1"/>
+            <a:lvl5pPr marL="940435" indent="0">
+              <a:buNone/>
+              <a:defRPr sz="825" b="1"/>
             </a:lvl5pPr>
-            <a:lvl6pPr marL="1175918" indent="0">
-              <a:buNone/>
-              <a:defRPr sz="823" b="1"/>
+            <a:lvl6pPr marL="1176020" indent="0">
+              <a:buNone/>
+              <a:defRPr sz="825" b="1"/>
             </a:lvl6pPr>
-            <a:lvl7pPr marL="1411102" indent="0">
-              <a:buNone/>
-              <a:defRPr sz="823" b="1"/>
+            <a:lvl7pPr marL="1410970" indent="0">
+              <a:buNone/>
+              <a:defRPr sz="825" b="1"/>
             </a:lvl7pPr>
-            <a:lvl8pPr marL="1646286" indent="0">
-              <a:buNone/>
-              <a:defRPr sz="823" b="1"/>
+            <a:lvl8pPr marL="1646555" indent="0">
+              <a:buNone/>
+              <a:defRPr sz="825" b="1"/>
             </a:lvl8pPr>
-            <a:lvl9pPr marL="1881469" indent="0">
-              <a:buNone/>
-              <a:defRPr sz="823" b="1"/>
+            <a:lvl9pPr marL="1881505" indent="0">
+              <a:buNone/>
+              <a:defRPr sz="825" b="1"/>
             </a:lvl9pPr>
           </a:lstStyle>
           <a:p>
@@ -1542,6 +1529,7 @@
               <a:rPr lang="en-US"/>
               <a:t>Click to edit Master text styles</a:t>
             </a:r>
+            <a:endParaRPr lang="en-US"/>
           </a:p>
         </p:txBody>
       </p:sp>
@@ -1570,6 +1558,7 @@
               <a:rPr lang="en-US"/>
               <a:t>Click to edit Master text styles</a:t>
             </a:r>
+            <a:endParaRPr lang="en-US"/>
           </a:p>
           <a:p>
             <a:pPr lvl="1"/>
@@ -1577,6 +1566,7 @@
               <a:rPr lang="en-US"/>
               <a:t>Second level</a:t>
             </a:r>
+            <a:endParaRPr lang="en-US"/>
           </a:p>
           <a:p>
             <a:pPr lvl="2"/>
@@ -1584,6 +1574,7 @@
               <a:rPr lang="en-US"/>
               <a:t>Third level</a:t>
             </a:r>
+            <a:endParaRPr lang="en-US"/>
           </a:p>
           <a:p>
             <a:pPr lvl="3"/>
@@ -1591,6 +1582,7 @@
               <a:rPr lang="en-US"/>
               <a:t>Fourth level</a:t>
             </a:r>
+            <a:endParaRPr lang="en-US"/>
           </a:p>
           <a:p>
             <a:pPr lvl="4"/>
@@ -1619,7 +1611,6 @@
           <a:p>
             <a:fld id="{32DA9CA3-1682-4D49-BD84-33DE32D3C0F7}" type="datetimeFigureOut">
               <a:rPr lang="en-US" smtClean="0"/>
-              <a:t>6/10/23</a:t>
             </a:fld>
             <a:endParaRPr lang="en-US"/>
           </a:p>
@@ -1661,18 +1652,12 @@
           <a:p>
             <a:fld id="{56040734-3020-B24F-9D43-20822771C920}" type="slidenum">
               <a:rPr lang="en-US" smtClean="0"/>
-              <a:t>‹#›</a:t>
             </a:fld>
             <a:endParaRPr lang="en-US"/>
           </a:p>
         </p:txBody>
       </p:sp>
     </p:spTree>
-    <p:extLst>
-      <p:ext uri="{BB962C8B-B14F-4D97-AF65-F5344CB8AC3E}">
-        <p14:creationId xmlns:p14="http://schemas.microsoft.com/office/powerpoint/2010/main" val="4236259081"/>
-      </p:ext>
-    </p:extLst>
   </p:cSld>
   <p:clrMapOvr>
     <a:masterClrMapping/>
@@ -1737,7 +1722,6 @@
           <a:p>
             <a:fld id="{32DA9CA3-1682-4D49-BD84-33DE32D3C0F7}" type="datetimeFigureOut">
               <a:rPr lang="en-US" smtClean="0"/>
-              <a:t>6/10/23</a:t>
             </a:fld>
             <a:endParaRPr lang="en-US"/>
           </a:p>
@@ -1779,18 +1763,12 @@
           <a:p>
             <a:fld id="{56040734-3020-B24F-9D43-20822771C920}" type="slidenum">
               <a:rPr lang="en-US" smtClean="0"/>
-              <a:t>‹#›</a:t>
             </a:fld>
             <a:endParaRPr lang="en-US"/>
           </a:p>
         </p:txBody>
       </p:sp>
     </p:spTree>
-    <p:extLst>
-      <p:ext uri="{BB962C8B-B14F-4D97-AF65-F5344CB8AC3E}">
-        <p14:creationId xmlns:p14="http://schemas.microsoft.com/office/powerpoint/2010/main" val="2199645079"/>
-      </p:ext>
-    </p:extLst>
   </p:cSld>
   <p:clrMapOvr>
     <a:masterClrMapping/>
@@ -1832,7 +1810,6 @@
           <a:p>
             <a:fld id="{32DA9CA3-1682-4D49-BD84-33DE32D3C0F7}" type="datetimeFigureOut">
               <a:rPr lang="en-US" smtClean="0"/>
-              <a:t>6/10/23</a:t>
             </a:fld>
             <a:endParaRPr lang="en-US"/>
           </a:p>
@@ -1874,18 +1851,12 @@
           <a:p>
             <a:fld id="{56040734-3020-B24F-9D43-20822771C920}" type="slidenum">
               <a:rPr lang="en-US" smtClean="0"/>
-              <a:t>‹#›</a:t>
             </a:fld>
             <a:endParaRPr lang="en-US"/>
           </a:p>
         </p:txBody>
       </p:sp>
     </p:spTree>
-    <p:extLst>
-      <p:ext uri="{BB962C8B-B14F-4D97-AF65-F5344CB8AC3E}">
-        <p14:creationId xmlns:p14="http://schemas.microsoft.com/office/powerpoint/2010/main" val="1044047587"/>
-      </p:ext>
-    </p:extLst>
   </p:cSld>
   <p:clrMapOvr>
     <a:masterClrMapping/>
@@ -1930,7 +1901,7 @@
           <a:bodyPr anchor="b"/>
           <a:lstStyle>
             <a:lvl1pPr>
-              <a:defRPr sz="1646"/>
+              <a:defRPr sz="1645"/>
             </a:lvl1pPr>
           </a:lstStyle>
           <a:p>
@@ -1962,7 +1933,7 @@
           <a:bodyPr/>
           <a:lstStyle>
             <a:lvl1pPr>
-              <a:defRPr sz="1646"/>
+              <a:defRPr sz="1645"/>
             </a:lvl1pPr>
             <a:lvl2pPr>
               <a:defRPr sz="1440"/>
@@ -1971,22 +1942,22 @@
               <a:defRPr sz="1235"/>
             </a:lvl3pPr>
             <a:lvl4pPr>
-              <a:defRPr sz="1029"/>
+              <a:defRPr sz="1030"/>
             </a:lvl4pPr>
             <a:lvl5pPr>
-              <a:defRPr sz="1029"/>
+              <a:defRPr sz="1030"/>
             </a:lvl5pPr>
             <a:lvl6pPr>
-              <a:defRPr sz="1029"/>
+              <a:defRPr sz="1030"/>
             </a:lvl6pPr>
             <a:lvl7pPr>
-              <a:defRPr sz="1029"/>
+              <a:defRPr sz="1030"/>
             </a:lvl7pPr>
             <a:lvl8pPr>
-              <a:defRPr sz="1029"/>
+              <a:defRPr sz="1030"/>
             </a:lvl8pPr>
             <a:lvl9pPr>
-              <a:defRPr sz="1029"/>
+              <a:defRPr sz="1030"/>
             </a:lvl9pPr>
           </a:lstStyle>
           <a:p>
@@ -1995,6 +1966,7 @@
               <a:rPr lang="en-US"/>
               <a:t>Click to edit Master text styles</a:t>
             </a:r>
+            <a:endParaRPr lang="en-US"/>
           </a:p>
           <a:p>
             <a:pPr lvl="1"/>
@@ -2002,6 +1974,7 @@
               <a:rPr lang="en-US"/>
               <a:t>Second level</a:t>
             </a:r>
+            <a:endParaRPr lang="en-US"/>
           </a:p>
           <a:p>
             <a:pPr lvl="2"/>
@@ -2009,6 +1982,7 @@
               <a:rPr lang="en-US"/>
               <a:t>Third level</a:t>
             </a:r>
+            <a:endParaRPr lang="en-US"/>
           </a:p>
           <a:p>
             <a:pPr lvl="3"/>
@@ -2016,6 +1990,7 @@
               <a:rPr lang="en-US"/>
               <a:t>Fourth level</a:t>
             </a:r>
+            <a:endParaRPr lang="en-US"/>
           </a:p>
           <a:p>
             <a:pPr lvl="4"/>
@@ -2048,39 +2023,39 @@
           <a:lstStyle>
             <a:lvl1pPr marL="0" indent="0">
               <a:buNone/>
-              <a:defRPr sz="823"/>
+              <a:defRPr sz="825"/>
             </a:lvl1pPr>
-            <a:lvl2pPr marL="235184" indent="0">
+            <a:lvl2pPr marL="234950" indent="0">
               <a:buNone/>
               <a:defRPr sz="720"/>
             </a:lvl2pPr>
-            <a:lvl3pPr marL="470367" indent="0">
-              <a:buNone/>
-              <a:defRPr sz="617"/>
+            <a:lvl3pPr marL="470535" indent="0">
+              <a:buNone/>
+              <a:defRPr sz="615"/>
             </a:lvl3pPr>
-            <a:lvl4pPr marL="705551" indent="0">
-              <a:buNone/>
-              <a:defRPr sz="514"/>
+            <a:lvl4pPr marL="705485" indent="0">
+              <a:buNone/>
+              <a:defRPr sz="515"/>
             </a:lvl4pPr>
-            <a:lvl5pPr marL="940735" indent="0">
-              <a:buNone/>
-              <a:defRPr sz="514"/>
+            <a:lvl5pPr marL="940435" indent="0">
+              <a:buNone/>
+              <a:defRPr sz="515"/>
             </a:lvl5pPr>
-            <a:lvl6pPr marL="1175918" indent="0">
-              <a:buNone/>
-              <a:defRPr sz="514"/>
+            <a:lvl6pPr marL="1176020" indent="0">
+              <a:buNone/>
+              <a:defRPr sz="515"/>
             </a:lvl6pPr>
-            <a:lvl7pPr marL="1411102" indent="0">
-              <a:buNone/>
-              <a:defRPr sz="514"/>
+            <a:lvl7pPr marL="1410970" indent="0">
+              <a:buNone/>
+              <a:defRPr sz="515"/>
             </a:lvl7pPr>
-            <a:lvl8pPr marL="1646286" indent="0">
-              <a:buNone/>
-              <a:defRPr sz="514"/>
+            <a:lvl8pPr marL="1646555" indent="0">
+              <a:buNone/>
+              <a:defRPr sz="515"/>
             </a:lvl8pPr>
-            <a:lvl9pPr marL="1881469" indent="0">
-              <a:buNone/>
-              <a:defRPr sz="514"/>
+            <a:lvl9pPr marL="1881505" indent="0">
+              <a:buNone/>
+              <a:defRPr sz="515"/>
             </a:lvl9pPr>
           </a:lstStyle>
           <a:p>
@@ -2089,6 +2064,7 @@
               <a:rPr lang="en-US"/>
               <a:t>Click to edit Master text styles</a:t>
             </a:r>
+            <a:endParaRPr lang="en-US"/>
           </a:p>
         </p:txBody>
       </p:sp>
@@ -2109,7 +2085,6 @@
           <a:p>
             <a:fld id="{32DA9CA3-1682-4D49-BD84-33DE32D3C0F7}" type="datetimeFigureOut">
               <a:rPr lang="en-US" smtClean="0"/>
-              <a:t>6/10/23</a:t>
             </a:fld>
             <a:endParaRPr lang="en-US"/>
           </a:p>
@@ -2151,18 +2126,12 @@
           <a:p>
             <a:fld id="{56040734-3020-B24F-9D43-20822771C920}" type="slidenum">
               <a:rPr lang="en-US" smtClean="0"/>
-              <a:t>‹#›</a:t>
             </a:fld>
             <a:endParaRPr lang="en-US"/>
           </a:p>
         </p:txBody>
       </p:sp>
     </p:spTree>
-    <p:extLst>
-      <p:ext uri="{BB962C8B-B14F-4D97-AF65-F5344CB8AC3E}">
-        <p14:creationId xmlns:p14="http://schemas.microsoft.com/office/powerpoint/2010/main" val="4159378711"/>
-      </p:ext>
-    </p:extLst>
   </p:cSld>
   <p:clrMapOvr>
     <a:masterClrMapping/>
@@ -2207,7 +2176,7 @@
           <a:bodyPr anchor="b"/>
           <a:lstStyle>
             <a:lvl1pPr>
-              <a:defRPr sz="1646"/>
+              <a:defRPr sz="1645"/>
             </a:lvl1pPr>
           </a:lstStyle>
           <a:p>
@@ -2240,39 +2209,39 @@
           <a:lstStyle>
             <a:lvl1pPr marL="0" indent="0">
               <a:buNone/>
-              <a:defRPr sz="1646"/>
+              <a:defRPr sz="1645"/>
             </a:lvl1pPr>
-            <a:lvl2pPr marL="235184" indent="0">
+            <a:lvl2pPr marL="234950" indent="0">
               <a:buNone/>
               <a:defRPr sz="1440"/>
             </a:lvl2pPr>
-            <a:lvl3pPr marL="470367" indent="0">
+            <a:lvl3pPr marL="470535" indent="0">
               <a:buNone/>
               <a:defRPr sz="1235"/>
             </a:lvl3pPr>
-            <a:lvl4pPr marL="705551" indent="0">
-              <a:buNone/>
-              <a:defRPr sz="1029"/>
+            <a:lvl4pPr marL="705485" indent="0">
+              <a:buNone/>
+              <a:defRPr sz="1030"/>
             </a:lvl4pPr>
-            <a:lvl5pPr marL="940735" indent="0">
-              <a:buNone/>
-              <a:defRPr sz="1029"/>
+            <a:lvl5pPr marL="940435" indent="0">
+              <a:buNone/>
+              <a:defRPr sz="1030"/>
             </a:lvl5pPr>
-            <a:lvl6pPr marL="1175918" indent="0">
-              <a:buNone/>
-              <a:defRPr sz="1029"/>
+            <a:lvl6pPr marL="1176020" indent="0">
+              <a:buNone/>
+              <a:defRPr sz="1030"/>
             </a:lvl6pPr>
-            <a:lvl7pPr marL="1411102" indent="0">
-              <a:buNone/>
-              <a:defRPr sz="1029"/>
+            <a:lvl7pPr marL="1410970" indent="0">
+              <a:buNone/>
+              <a:defRPr sz="1030"/>
             </a:lvl7pPr>
-            <a:lvl8pPr marL="1646286" indent="0">
-              <a:buNone/>
-              <a:defRPr sz="1029"/>
+            <a:lvl8pPr marL="1646555" indent="0">
+              <a:buNone/>
+              <a:defRPr sz="1030"/>
             </a:lvl8pPr>
-            <a:lvl9pPr marL="1881469" indent="0">
-              <a:buNone/>
-              <a:defRPr sz="1029"/>
+            <a:lvl9pPr marL="1881505" indent="0">
+              <a:buNone/>
+              <a:defRPr sz="1030"/>
             </a:lvl9pPr>
           </a:lstStyle>
           <a:p>
@@ -2305,39 +2274,39 @@
           <a:lstStyle>
             <a:lvl1pPr marL="0" indent="0">
               <a:buNone/>
-              <a:defRPr sz="823"/>
+              <a:defRPr sz="825"/>
             </a:lvl1pPr>
-            <a:lvl2pPr marL="235184" indent="0">
+            <a:lvl2pPr marL="234950" indent="0">
               <a:buNone/>
               <a:defRPr sz="720"/>
             </a:lvl2pPr>
-            <a:lvl3pPr marL="470367" indent="0">
-              <a:buNone/>
-              <a:defRPr sz="617"/>
+            <a:lvl3pPr marL="470535" indent="0">
+              <a:buNone/>
+              <a:defRPr sz="615"/>
             </a:lvl3pPr>
-            <a:lvl4pPr marL="705551" indent="0">
-              <a:buNone/>
-              <a:defRPr sz="514"/>
+            <a:lvl4pPr marL="705485" indent="0">
+              <a:buNone/>
+              <a:defRPr sz="515"/>
             </a:lvl4pPr>
-            <a:lvl5pPr marL="940735" indent="0">
-              <a:buNone/>
-              <a:defRPr sz="514"/>
+            <a:lvl5pPr marL="940435" indent="0">
+              <a:buNone/>
+              <a:defRPr sz="515"/>
             </a:lvl5pPr>
-            <a:lvl6pPr marL="1175918" indent="0">
-              <a:buNone/>
-              <a:defRPr sz="514"/>
+            <a:lvl6pPr marL="1176020" indent="0">
+              <a:buNone/>
+              <a:defRPr sz="515"/>
             </a:lvl6pPr>
-            <a:lvl7pPr marL="1411102" indent="0">
-              <a:buNone/>
-              <a:defRPr sz="514"/>
+            <a:lvl7pPr marL="1410970" indent="0">
+              <a:buNone/>
+              <a:defRPr sz="515"/>
             </a:lvl7pPr>
-            <a:lvl8pPr marL="1646286" indent="0">
-              <a:buNone/>
-              <a:defRPr sz="514"/>
+            <a:lvl8pPr marL="1646555" indent="0">
+              <a:buNone/>
+              <a:defRPr sz="515"/>
             </a:lvl8pPr>
-            <a:lvl9pPr marL="1881469" indent="0">
-              <a:buNone/>
-              <a:defRPr sz="514"/>
+            <a:lvl9pPr marL="1881505" indent="0">
+              <a:buNone/>
+              <a:defRPr sz="515"/>
             </a:lvl9pPr>
           </a:lstStyle>
           <a:p>
@@ -2346,6 +2315,7 @@
               <a:rPr lang="en-US"/>
               <a:t>Click to edit Master text styles</a:t>
             </a:r>
+            <a:endParaRPr lang="en-US"/>
           </a:p>
         </p:txBody>
       </p:sp>
@@ -2366,7 +2336,6 @@
           <a:p>
             <a:fld id="{32DA9CA3-1682-4D49-BD84-33DE32D3C0F7}" type="datetimeFigureOut">
               <a:rPr lang="en-US" smtClean="0"/>
-              <a:t>6/10/23</a:t>
             </a:fld>
             <a:endParaRPr lang="en-US"/>
           </a:p>
@@ -2408,18 +2377,12 @@
           <a:p>
             <a:fld id="{56040734-3020-B24F-9D43-20822771C920}" type="slidenum">
               <a:rPr lang="en-US" smtClean="0"/>
-              <a:t>‹#›</a:t>
             </a:fld>
             <a:endParaRPr lang="en-US"/>
           </a:p>
         </p:txBody>
       </p:sp>
     </p:spTree>
-    <p:extLst>
-      <p:ext uri="{BB962C8B-B14F-4D97-AF65-F5344CB8AC3E}">
-        <p14:creationId xmlns:p14="http://schemas.microsoft.com/office/powerpoint/2010/main" val="2694014445"/>
-      </p:ext>
-    </p:extLst>
   </p:cSld>
   <p:clrMapOvr>
     <a:masterClrMapping/>
@@ -2512,6 +2475,7 @@
               <a:rPr lang="en-US"/>
               <a:t>Click to edit Master text styles</a:t>
             </a:r>
+            <a:endParaRPr lang="en-US"/>
           </a:p>
           <a:p>
             <a:pPr lvl="1"/>
@@ -2519,6 +2483,7 @@
               <a:rPr lang="en-US"/>
               <a:t>Second level</a:t>
             </a:r>
+            <a:endParaRPr lang="en-US"/>
           </a:p>
           <a:p>
             <a:pPr lvl="2"/>
@@ -2526,6 +2491,7 @@
               <a:rPr lang="en-US"/>
               <a:t>Third level</a:t>
             </a:r>
+            <a:endParaRPr lang="en-US"/>
           </a:p>
           <a:p>
             <a:pPr lvl="3"/>
@@ -2533,6 +2499,7 @@
               <a:rPr lang="en-US"/>
               <a:t>Fourth level</a:t>
             </a:r>
+            <a:endParaRPr lang="en-US"/>
           </a:p>
           <a:p>
             <a:pPr lvl="4"/>
@@ -2567,7 +2534,7 @@
           <a:bodyPr vert="horz" lIns="91440" tIns="45720" rIns="91440" bIns="45720" rtlCol="0" anchor="ctr"/>
           <a:lstStyle>
             <a:lvl1pPr algn="l">
-              <a:defRPr sz="617">
+              <a:defRPr sz="615">
                 <a:solidFill>
                   <a:schemeClr val="tx1">
                     <a:tint val="75000"/>
@@ -2579,7 +2546,6 @@
           <a:p>
             <a:fld id="{32DA9CA3-1682-4D49-BD84-33DE32D3C0F7}" type="datetimeFigureOut">
               <a:rPr lang="en-US" smtClean="0"/>
-              <a:t>6/10/23</a:t>
             </a:fld>
             <a:endParaRPr lang="en-US"/>
           </a:p>
@@ -2608,7 +2574,7 @@
           <a:bodyPr vert="horz" lIns="91440" tIns="45720" rIns="91440" bIns="45720" rtlCol="0" anchor="ctr"/>
           <a:lstStyle>
             <a:lvl1pPr algn="ctr">
-              <a:defRPr sz="617">
+              <a:defRPr sz="615">
                 <a:solidFill>
                   <a:schemeClr val="tx1">
                     <a:tint val="75000"/>
@@ -2645,7 +2611,7 @@
           <a:bodyPr vert="horz" lIns="91440" tIns="45720" rIns="91440" bIns="45720" rtlCol="0" anchor="ctr"/>
           <a:lstStyle>
             <a:lvl1pPr algn="r">
-              <a:defRPr sz="617">
+              <a:defRPr sz="615">
                 <a:solidFill>
                   <a:schemeClr val="tx1">
                     <a:tint val="75000"/>
@@ -2657,36 +2623,30 @@
           <a:p>
             <a:fld id="{56040734-3020-B24F-9D43-20822771C920}" type="slidenum">
               <a:rPr lang="en-US" smtClean="0"/>
-              <a:t>‹#›</a:t>
             </a:fld>
             <a:endParaRPr lang="en-US"/>
           </a:p>
         </p:txBody>
       </p:sp>
     </p:spTree>
-    <p:extLst>
-      <p:ext uri="{BB962C8B-B14F-4D97-AF65-F5344CB8AC3E}">
-        <p14:creationId xmlns:p14="http://schemas.microsoft.com/office/powerpoint/2010/main" val="1656087853"/>
-      </p:ext>
-    </p:extLst>
   </p:cSld>
   <p:clrMap bg1="lt1" tx1="dk1" bg2="lt2" tx2="dk2" accent1="accent1" accent2="accent2" accent3="accent3" accent4="accent4" accent5="accent5" accent6="accent6" hlink="hlink" folHlink="folHlink"/>
   <p:sldLayoutIdLst>
-    <p:sldLayoutId id="2147483661" r:id="rId1"/>
-    <p:sldLayoutId id="2147483662" r:id="rId2"/>
-    <p:sldLayoutId id="2147483663" r:id="rId3"/>
-    <p:sldLayoutId id="2147483664" r:id="rId4"/>
-    <p:sldLayoutId id="2147483665" r:id="rId5"/>
-    <p:sldLayoutId id="2147483666" r:id="rId6"/>
-    <p:sldLayoutId id="2147483667" r:id="rId7"/>
-    <p:sldLayoutId id="2147483668" r:id="rId8"/>
-    <p:sldLayoutId id="2147483669" r:id="rId9"/>
-    <p:sldLayoutId id="2147483670" r:id="rId10"/>
-    <p:sldLayoutId id="2147483671" r:id="rId11"/>
+    <p:sldLayoutId id="2147483649" r:id="rId1"/>
+    <p:sldLayoutId id="2147483650" r:id="rId2"/>
+    <p:sldLayoutId id="2147483651" r:id="rId3"/>
+    <p:sldLayoutId id="2147483652" r:id="rId4"/>
+    <p:sldLayoutId id="2147483653" r:id="rId5"/>
+    <p:sldLayoutId id="2147483654" r:id="rId6"/>
+    <p:sldLayoutId id="2147483655" r:id="rId7"/>
+    <p:sldLayoutId id="2147483656" r:id="rId8"/>
+    <p:sldLayoutId id="2147483657" r:id="rId9"/>
+    <p:sldLayoutId id="2147483658" r:id="rId10"/>
+    <p:sldLayoutId id="2147483659" r:id="rId11"/>
   </p:sldLayoutIdLst>
   <p:txStyles>
     <p:titleStyle>
-      <a:lvl1pPr algn="l" defTabSz="470367" rtl="0" eaLnBrk="1" latinLnBrk="0" hangingPunct="1">
+      <a:lvl1pPr algn="l" defTabSz="470535" rtl="0" eaLnBrk="1" latinLnBrk="0" hangingPunct="1">
         <a:lnSpc>
           <a:spcPct val="90000"/>
         </a:lnSpc>
@@ -2694,7 +2654,7 @@
           <a:spcPct val="0"/>
         </a:spcBef>
         <a:buNone/>
-        <a:defRPr sz="2263" kern="1200">
+        <a:defRPr sz="2265" kern="1200">
           <a:solidFill>
             <a:schemeClr val="tx1"/>
           </a:solidFill>
@@ -2705,12 +2665,12 @@
       </a:lvl1pPr>
     </p:titleStyle>
     <p:bodyStyle>
-      <a:lvl1pPr marL="117592" indent="-117592" algn="l" defTabSz="470367" rtl="0" eaLnBrk="1" latinLnBrk="0" hangingPunct="1">
+      <a:lvl1pPr marL="117475" indent="-117475" algn="l" defTabSz="470535" rtl="0" eaLnBrk="1" latinLnBrk="0" hangingPunct="1">
         <a:lnSpc>
           <a:spcPct val="90000"/>
         </a:lnSpc>
         <a:spcBef>
-          <a:spcPts val="514"/>
+          <a:spcPts val="515"/>
         </a:spcBef>
         <a:buFont typeface="Arial" panose="020B0604020202020204" pitchFamily="34" charset="0"/>
         <a:buChar char="•"/>
@@ -2723,12 +2683,12 @@
           <a:cs typeface="+mn-cs"/>
         </a:defRPr>
       </a:lvl1pPr>
-      <a:lvl2pPr marL="352776" indent="-117592" algn="l" defTabSz="470367" rtl="0" eaLnBrk="1" latinLnBrk="0" hangingPunct="1">
+      <a:lvl2pPr marL="353060" indent="-117475" algn="l" defTabSz="470535" rtl="0" eaLnBrk="1" latinLnBrk="0" hangingPunct="1">
         <a:lnSpc>
           <a:spcPct val="90000"/>
         </a:lnSpc>
         <a:spcBef>
-          <a:spcPts val="257"/>
+          <a:spcPts val="255"/>
         </a:spcBef>
         <a:buFont typeface="Arial" panose="020B0604020202020204" pitchFamily="34" charset="0"/>
         <a:buChar char="•"/>
@@ -2741,16 +2701,16 @@
           <a:cs typeface="+mn-cs"/>
         </a:defRPr>
       </a:lvl2pPr>
-      <a:lvl3pPr marL="587959" indent="-117592" algn="l" defTabSz="470367" rtl="0" eaLnBrk="1" latinLnBrk="0" hangingPunct="1">
+      <a:lvl3pPr marL="588010" indent="-117475" algn="l" defTabSz="470535" rtl="0" eaLnBrk="1" latinLnBrk="0" hangingPunct="1">
         <a:lnSpc>
           <a:spcPct val="90000"/>
         </a:lnSpc>
         <a:spcBef>
-          <a:spcPts val="257"/>
+          <a:spcPts val="255"/>
         </a:spcBef>
         <a:buFont typeface="Arial" panose="020B0604020202020204" pitchFamily="34" charset="0"/>
         <a:buChar char="•"/>
-        <a:defRPr sz="1029" kern="1200">
+        <a:defRPr sz="1030" kern="1200">
           <a:solidFill>
             <a:schemeClr val="tx1"/>
           </a:solidFill>
@@ -2759,16 +2719,16 @@
           <a:cs typeface="+mn-cs"/>
         </a:defRPr>
       </a:lvl3pPr>
-      <a:lvl4pPr marL="823143" indent="-117592" algn="l" defTabSz="470367" rtl="0" eaLnBrk="1" latinLnBrk="0" hangingPunct="1">
+      <a:lvl4pPr marL="822960" indent="-117475" algn="l" defTabSz="470535" rtl="0" eaLnBrk="1" latinLnBrk="0" hangingPunct="1">
         <a:lnSpc>
           <a:spcPct val="90000"/>
         </a:lnSpc>
         <a:spcBef>
-          <a:spcPts val="257"/>
+          <a:spcPts val="255"/>
         </a:spcBef>
         <a:buFont typeface="Arial" panose="020B0604020202020204" pitchFamily="34" charset="0"/>
         <a:buChar char="•"/>
-        <a:defRPr sz="926" kern="1200">
+        <a:defRPr sz="925" kern="1200">
           <a:solidFill>
             <a:schemeClr val="tx1"/>
           </a:solidFill>
@@ -2777,16 +2737,16 @@
           <a:cs typeface="+mn-cs"/>
         </a:defRPr>
       </a:lvl4pPr>
-      <a:lvl5pPr marL="1058327" indent="-117592" algn="l" defTabSz="470367" rtl="0" eaLnBrk="1" latinLnBrk="0" hangingPunct="1">
+      <a:lvl5pPr marL="1058545" indent="-117475" algn="l" defTabSz="470535" rtl="0" eaLnBrk="1" latinLnBrk="0" hangingPunct="1">
         <a:lnSpc>
           <a:spcPct val="90000"/>
         </a:lnSpc>
         <a:spcBef>
-          <a:spcPts val="257"/>
+          <a:spcPts val="255"/>
         </a:spcBef>
         <a:buFont typeface="Arial" panose="020B0604020202020204" pitchFamily="34" charset="0"/>
         <a:buChar char="•"/>
-        <a:defRPr sz="926" kern="1200">
+        <a:defRPr sz="925" kern="1200">
           <a:solidFill>
             <a:schemeClr val="tx1"/>
           </a:solidFill>
@@ -2795,16 +2755,16 @@
           <a:cs typeface="+mn-cs"/>
         </a:defRPr>
       </a:lvl5pPr>
-      <a:lvl6pPr marL="1293510" indent="-117592" algn="l" defTabSz="470367" rtl="0" eaLnBrk="1" latinLnBrk="0" hangingPunct="1">
+      <a:lvl6pPr marL="1293495" indent="-117475" algn="l" defTabSz="470535" rtl="0" eaLnBrk="1" latinLnBrk="0" hangingPunct="1">
         <a:lnSpc>
           <a:spcPct val="90000"/>
         </a:lnSpc>
         <a:spcBef>
-          <a:spcPts val="257"/>
+          <a:spcPts val="255"/>
         </a:spcBef>
         <a:buFont typeface="Arial" panose="020B0604020202020204" pitchFamily="34" charset="0"/>
         <a:buChar char="•"/>
-        <a:defRPr sz="926" kern="1200">
+        <a:defRPr sz="925" kern="1200">
           <a:solidFill>
             <a:schemeClr val="tx1"/>
           </a:solidFill>
@@ -2813,16 +2773,16 @@
           <a:cs typeface="+mn-cs"/>
         </a:defRPr>
       </a:lvl6pPr>
-      <a:lvl7pPr marL="1528694" indent="-117592" algn="l" defTabSz="470367" rtl="0" eaLnBrk="1" latinLnBrk="0" hangingPunct="1">
+      <a:lvl7pPr marL="1528445" indent="-117475" algn="l" defTabSz="470535" rtl="0" eaLnBrk="1" latinLnBrk="0" hangingPunct="1">
         <a:lnSpc>
           <a:spcPct val="90000"/>
         </a:lnSpc>
         <a:spcBef>
-          <a:spcPts val="257"/>
+          <a:spcPts val="255"/>
         </a:spcBef>
         <a:buFont typeface="Arial" panose="020B0604020202020204" pitchFamily="34" charset="0"/>
         <a:buChar char="•"/>
-        <a:defRPr sz="926" kern="1200">
+        <a:defRPr sz="925" kern="1200">
           <a:solidFill>
             <a:schemeClr val="tx1"/>
           </a:solidFill>
@@ -2831,16 +2791,16 @@
           <a:cs typeface="+mn-cs"/>
         </a:defRPr>
       </a:lvl7pPr>
-      <a:lvl8pPr marL="1763878" indent="-117592" algn="l" defTabSz="470367" rtl="0" eaLnBrk="1" latinLnBrk="0" hangingPunct="1">
+      <a:lvl8pPr marL="1764030" indent="-117475" algn="l" defTabSz="470535" rtl="0" eaLnBrk="1" latinLnBrk="0" hangingPunct="1">
         <a:lnSpc>
           <a:spcPct val="90000"/>
         </a:lnSpc>
         <a:spcBef>
-          <a:spcPts val="257"/>
+          <a:spcPts val="255"/>
         </a:spcBef>
         <a:buFont typeface="Arial" panose="020B0604020202020204" pitchFamily="34" charset="0"/>
         <a:buChar char="•"/>
-        <a:defRPr sz="926" kern="1200">
+        <a:defRPr sz="925" kern="1200">
           <a:solidFill>
             <a:schemeClr val="tx1"/>
           </a:solidFill>
@@ -2849,16 +2809,16 @@
           <a:cs typeface="+mn-cs"/>
         </a:defRPr>
       </a:lvl8pPr>
-      <a:lvl9pPr marL="1999061" indent="-117592" algn="l" defTabSz="470367" rtl="0" eaLnBrk="1" latinLnBrk="0" hangingPunct="1">
+      <a:lvl9pPr marL="1998980" indent="-117475" algn="l" defTabSz="470535" rtl="0" eaLnBrk="1" latinLnBrk="0" hangingPunct="1">
         <a:lnSpc>
           <a:spcPct val="90000"/>
         </a:lnSpc>
         <a:spcBef>
-          <a:spcPts val="257"/>
+          <a:spcPts val="255"/>
         </a:spcBef>
         <a:buFont typeface="Arial" panose="020B0604020202020204" pitchFamily="34" charset="0"/>
         <a:buChar char="•"/>
-        <a:defRPr sz="926" kern="1200">
+        <a:defRPr sz="925" kern="1200">
           <a:solidFill>
             <a:schemeClr val="tx1"/>
           </a:solidFill>
@@ -2872,8 +2832,8 @@
       <a:defPPr>
         <a:defRPr lang="en-US"/>
       </a:defPPr>
-      <a:lvl1pPr marL="0" algn="l" defTabSz="470367" rtl="0" eaLnBrk="1" latinLnBrk="0" hangingPunct="1">
-        <a:defRPr sz="926" kern="1200">
+      <a:lvl1pPr marL="0" algn="l" defTabSz="470535" rtl="0" eaLnBrk="1" latinLnBrk="0" hangingPunct="1">
+        <a:defRPr sz="925" kern="1200">
           <a:solidFill>
             <a:schemeClr val="tx1"/>
           </a:solidFill>
@@ -2882,8 +2842,8 @@
           <a:cs typeface="+mn-cs"/>
         </a:defRPr>
       </a:lvl1pPr>
-      <a:lvl2pPr marL="235184" algn="l" defTabSz="470367" rtl="0" eaLnBrk="1" latinLnBrk="0" hangingPunct="1">
-        <a:defRPr sz="926" kern="1200">
+      <a:lvl2pPr marL="234950" algn="l" defTabSz="470535" rtl="0" eaLnBrk="1" latinLnBrk="0" hangingPunct="1">
+        <a:defRPr sz="925" kern="1200">
           <a:solidFill>
             <a:schemeClr val="tx1"/>
           </a:solidFill>
@@ -2892,8 +2852,8 @@
           <a:cs typeface="+mn-cs"/>
         </a:defRPr>
       </a:lvl2pPr>
-      <a:lvl3pPr marL="470367" algn="l" defTabSz="470367" rtl="0" eaLnBrk="1" latinLnBrk="0" hangingPunct="1">
-        <a:defRPr sz="926" kern="1200">
+      <a:lvl3pPr marL="470535" algn="l" defTabSz="470535" rtl="0" eaLnBrk="1" latinLnBrk="0" hangingPunct="1">
+        <a:defRPr sz="925" kern="1200">
           <a:solidFill>
             <a:schemeClr val="tx1"/>
           </a:solidFill>
@@ -2902,8 +2862,8 @@
           <a:cs typeface="+mn-cs"/>
         </a:defRPr>
       </a:lvl3pPr>
-      <a:lvl4pPr marL="705551" algn="l" defTabSz="470367" rtl="0" eaLnBrk="1" latinLnBrk="0" hangingPunct="1">
-        <a:defRPr sz="926" kern="1200">
+      <a:lvl4pPr marL="705485" algn="l" defTabSz="470535" rtl="0" eaLnBrk="1" latinLnBrk="0" hangingPunct="1">
+        <a:defRPr sz="925" kern="1200">
           <a:solidFill>
             <a:schemeClr val="tx1"/>
           </a:solidFill>
@@ -2912,8 +2872,8 @@
           <a:cs typeface="+mn-cs"/>
         </a:defRPr>
       </a:lvl4pPr>
-      <a:lvl5pPr marL="940735" algn="l" defTabSz="470367" rtl="0" eaLnBrk="1" latinLnBrk="0" hangingPunct="1">
-        <a:defRPr sz="926" kern="1200">
+      <a:lvl5pPr marL="940435" algn="l" defTabSz="470535" rtl="0" eaLnBrk="1" latinLnBrk="0" hangingPunct="1">
+        <a:defRPr sz="925" kern="1200">
           <a:solidFill>
             <a:schemeClr val="tx1"/>
           </a:solidFill>
@@ -2922,8 +2882,8 @@
           <a:cs typeface="+mn-cs"/>
         </a:defRPr>
       </a:lvl5pPr>
-      <a:lvl6pPr marL="1175918" algn="l" defTabSz="470367" rtl="0" eaLnBrk="1" latinLnBrk="0" hangingPunct="1">
-        <a:defRPr sz="926" kern="1200">
+      <a:lvl6pPr marL="1176020" algn="l" defTabSz="470535" rtl="0" eaLnBrk="1" latinLnBrk="0" hangingPunct="1">
+        <a:defRPr sz="925" kern="1200">
           <a:solidFill>
             <a:schemeClr val="tx1"/>
           </a:solidFill>
@@ -2932,8 +2892,8 @@
           <a:cs typeface="+mn-cs"/>
         </a:defRPr>
       </a:lvl6pPr>
-      <a:lvl7pPr marL="1411102" algn="l" defTabSz="470367" rtl="0" eaLnBrk="1" latinLnBrk="0" hangingPunct="1">
-        <a:defRPr sz="926" kern="1200">
+      <a:lvl7pPr marL="1410970" algn="l" defTabSz="470535" rtl="0" eaLnBrk="1" latinLnBrk="0" hangingPunct="1">
+        <a:defRPr sz="925" kern="1200">
           <a:solidFill>
             <a:schemeClr val="tx1"/>
           </a:solidFill>
@@ -2942,8 +2902,8 @@
           <a:cs typeface="+mn-cs"/>
         </a:defRPr>
       </a:lvl7pPr>
-      <a:lvl8pPr marL="1646286" algn="l" defTabSz="470367" rtl="0" eaLnBrk="1" latinLnBrk="0" hangingPunct="1">
-        <a:defRPr sz="926" kern="1200">
+      <a:lvl8pPr marL="1646555" algn="l" defTabSz="470535" rtl="0" eaLnBrk="1" latinLnBrk="0" hangingPunct="1">
+        <a:defRPr sz="925" kern="1200">
           <a:solidFill>
             <a:schemeClr val="tx1"/>
           </a:solidFill>
@@ -2952,8 +2912,8 @@
           <a:cs typeface="+mn-cs"/>
         </a:defRPr>
       </a:lvl8pPr>
-      <a:lvl9pPr marL="1881469" algn="l" defTabSz="470367" rtl="0" eaLnBrk="1" latinLnBrk="0" hangingPunct="1">
-        <a:defRPr sz="926" kern="1200">
+      <a:lvl9pPr marL="1881505" algn="l" defTabSz="470535" rtl="0" eaLnBrk="1" latinLnBrk="0" hangingPunct="1">
+        <a:defRPr sz="925" kern="1200">
           <a:solidFill>
             <a:schemeClr val="tx1"/>
           </a:solidFill>
@@ -2986,13 +2946,7 @@
       </p:grpSpPr>
       <p:sp>
         <p:nvSpPr>
-          <p:cNvPr id="2" name="Title 1">
-            <a:extLst>
-              <a:ext uri="{FF2B5EF4-FFF2-40B4-BE49-F238E27FC236}">
-                <a16:creationId xmlns:a16="http://schemas.microsoft.com/office/drawing/2014/main" id="{4EDC07B1-662B-4740-AF1D-D999ADDA9A3A}"/>
-              </a:ext>
-            </a:extLst>
-          </p:cNvPr>
+          <p:cNvPr id="2" name="Title 1"/>
           <p:cNvSpPr>
             <a:spLocks noGrp="1"/>
           </p:cNvSpPr>
@@ -3005,19 +2959,16 @@
           <a:bodyPr/>
           <a:lstStyle/>
           <a:p>
-            <a:endParaRPr lang="en-US"/>
-          </a:p>
-        </p:txBody>
-      </p:sp>
-      <p:sp>
-        <p:nvSpPr>
-          <p:cNvPr id="3" name="Subtitle 2">
-            <a:extLst>
-              <a:ext uri="{FF2B5EF4-FFF2-40B4-BE49-F238E27FC236}">
-                <a16:creationId xmlns:a16="http://schemas.microsoft.com/office/drawing/2014/main" id="{613E08B4-C0FA-3548-8923-B34A80064B89}"/>
-              </a:ext>
-            </a:extLst>
-          </p:cNvPr>
+            <a:endParaRPr lang="en-US">
+              <a:latin typeface="Times New Roman" panose="02020603050405020304" charset="0"/>
+              <a:cs typeface="Times New Roman" panose="02020603050405020304" charset="0"/>
+            </a:endParaRPr>
+          </a:p>
+        </p:txBody>
+      </p:sp>
+      <p:sp>
+        <p:nvSpPr>
+          <p:cNvPr id="3" name="Subtitle 2"/>
           <p:cNvSpPr>
             <a:spLocks noGrp="1"/>
           </p:cNvSpPr>
@@ -3030,50 +2981,327 @@
           <a:bodyPr/>
           <a:lstStyle/>
           <a:p>
-            <a:endParaRPr lang="en-US"/>
+            <a:endParaRPr lang="en-US">
+              <a:latin typeface="Times New Roman" panose="02020603050405020304" charset="0"/>
+              <a:cs typeface="Times New Roman" panose="02020603050405020304" charset="0"/>
+            </a:endParaRPr>
           </a:p>
         </p:txBody>
       </p:sp>
       <p:pic>
         <p:nvPicPr>
-          <p:cNvPr id="5" name="Picture 4">
-            <a:extLst>
-              <a:ext uri="{FF2B5EF4-FFF2-40B4-BE49-F238E27FC236}">
-                <a16:creationId xmlns:a16="http://schemas.microsoft.com/office/drawing/2014/main" id="{88880FB2-2AED-024F-A912-38116A632DE8}"/>
-              </a:ext>
-            </a:extLst>
-          </p:cNvPr>
+          <p:cNvPr id="5" name="Picture 4"/>
           <p:cNvPicPr>
             <a:picLocks noChangeAspect="1"/>
           </p:cNvPicPr>
           <p:nvPr/>
         </p:nvPicPr>
         <p:blipFill rotWithShape="1">
-          <a:blip r:embed="rId2"/>
+          <a:blip r:embed="rId1"/>
           <a:srcRect l="1953" t="10515" r="1200" b="38203"/>
-          <a:stretch/>
+          <a:stretch>
+            <a:fillRect/>
+          </a:stretch>
         </p:blipFill>
         <p:spPr>
           <a:xfrm>
-            <a:off x="-148438" y="-59124"/>
-            <a:ext cx="12488876" cy="3576537"/>
+            <a:off x="-148590" y="-59055"/>
+            <a:ext cx="12489180" cy="3729990"/>
           </a:xfrm>
           <a:prstGeom prst="rect">
             <a:avLst/>
           </a:prstGeom>
         </p:spPr>
       </p:pic>
+      <p:sp>
+        <p:nvSpPr>
+          <p:cNvPr id="4" name="文本框 3"/>
+          <p:cNvSpPr txBox="1"/>
+          <p:nvPr/>
+        </p:nvSpPr>
+        <p:spPr>
+          <a:xfrm>
+            <a:off x="215900" y="775970"/>
+            <a:ext cx="4551680" cy="275590"/>
+          </a:xfrm>
+          <a:prstGeom prst="rect">
+            <a:avLst/>
+          </a:prstGeom>
+          <a:noFill/>
+        </p:spPr>
+        <p:txBody>
+          <a:bodyPr wrap="square" rtlCol="0">
+            <a:spAutoFit/>
+          </a:bodyPr>
+          <a:p>
+            <a:r>
+              <a:rPr lang="en-US" altLang="zh-CN" sz="1200">
+                <a:solidFill>
+                  <a:schemeClr val="bg1"/>
+                </a:solidFill>
+                <a:latin typeface="Times New Roman" panose="02020603050405020304" charset="0"/>
+                <a:cs typeface="Times New Roman" panose="02020603050405020304" charset="0"/>
+              </a:rPr>
+              <a:t>kyon:「What should I do since all the clubs at school are so boring?</a:t>
+            </a:r>
+            <a:r>
+              <a:rPr lang="en-US" altLang="zh-CN" sz="1200">
+                <a:solidFill>
+                  <a:schemeClr val="bg1"/>
+                </a:solidFill>
+                <a:latin typeface="Times New Roman" panose="02020603050405020304" charset="0"/>
+                <a:cs typeface="Times New Roman" panose="02020603050405020304" charset="0"/>
+                <a:sym typeface="+mn-ea"/>
+              </a:rPr>
+              <a:t>」</a:t>
+            </a:r>
+            <a:endParaRPr lang="en-US" altLang="zh-CN" sz="1200">
+              <a:solidFill>
+                <a:schemeClr val="bg1"/>
+              </a:solidFill>
+              <a:latin typeface="Times New Roman" panose="02020603050405020304" charset="0"/>
+              <a:cs typeface="Times New Roman" panose="02020603050405020304" charset="0"/>
+            </a:endParaRPr>
+          </a:p>
+        </p:txBody>
+      </p:sp>
+      <p:sp>
+        <p:nvSpPr>
+          <p:cNvPr id="6" name="文本框 5"/>
+          <p:cNvSpPr txBox="1"/>
+          <p:nvPr/>
+        </p:nvSpPr>
+        <p:spPr>
+          <a:xfrm>
+            <a:off x="215900" y="1537970"/>
+            <a:ext cx="9046210" cy="314960"/>
+          </a:xfrm>
+          <a:prstGeom prst="rect">
+            <a:avLst/>
+          </a:prstGeom>
+          <a:noFill/>
+        </p:spPr>
+        <p:txBody>
+          <a:bodyPr wrap="square" rtlCol="0">
+            <a:noAutofit/>
+          </a:bodyPr>
+          <a:p>
+            <a:r>
+              <a:rPr lang="en-US" altLang="zh-CN" sz="1200">
+                <a:solidFill>
+                  <a:schemeClr val="bg1"/>
+                </a:solidFill>
+                <a:latin typeface="Times New Roman" panose="02020603050405020304" charset="0"/>
+                <a:cs typeface="Times New Roman" panose="02020603050405020304" charset="0"/>
+              </a:rPr>
+              <a:t>haruhi:</a:t>
+            </a:r>
+            <a:r>
+              <a:rPr lang="en-US" altLang="zh-CN" sz="1200">
+                <a:solidFill>
+                  <a:schemeClr val="bg1"/>
+                </a:solidFill>
+                <a:latin typeface="Times New Roman" panose="02020603050405020304" charset="0"/>
+                <a:cs typeface="Times New Roman" panose="02020603050405020304" charset="0"/>
+                <a:sym typeface="+mn-ea"/>
+              </a:rPr>
+              <a:t>「You're right, these clubs are too ordinary and lack creativity and uniqueness.」</a:t>
+            </a:r>
+            <a:endParaRPr lang="en-US" altLang="zh-CN" sz="1200">
+              <a:solidFill>
+                <a:schemeClr val="bg1"/>
+              </a:solidFill>
+              <a:latin typeface="Times New Roman" panose="02020603050405020304" charset="0"/>
+              <a:cs typeface="Times New Roman" panose="02020603050405020304" charset="0"/>
+            </a:endParaRPr>
+          </a:p>
+          <a:p>
+            <a:endParaRPr lang="en-US" altLang="zh-CN" sz="1200">
+              <a:solidFill>
+                <a:schemeClr val="bg1"/>
+              </a:solidFill>
+              <a:latin typeface="Times New Roman" panose="02020603050405020304" charset="0"/>
+              <a:cs typeface="Times New Roman" panose="02020603050405020304" charset="0"/>
+            </a:endParaRPr>
+          </a:p>
+        </p:txBody>
+      </p:sp>
+      <p:sp>
+        <p:nvSpPr>
+          <p:cNvPr id="7" name="文本框 6"/>
+          <p:cNvSpPr txBox="1"/>
+          <p:nvPr>
+            <p:custDataLst>
+              <p:tags r:id="rId2"/>
+            </p:custDataLst>
+          </p:nvPr>
+        </p:nvSpPr>
+        <p:spPr>
+          <a:xfrm>
+            <a:off x="173990" y="2339340"/>
+            <a:ext cx="9046210" cy="314960"/>
+          </a:xfrm>
+          <a:prstGeom prst="rect">
+            <a:avLst/>
+          </a:prstGeom>
+          <a:noFill/>
+        </p:spPr>
+        <p:txBody>
+          <a:bodyPr wrap="square" rtlCol="0">
+            <a:noAutofit/>
+          </a:bodyPr>
+          <a:p>
+            <a:r>
+              <a:rPr lang="en-US" altLang="zh-CN" sz="1200">
+                <a:solidFill>
+                  <a:schemeClr val="bg1"/>
+                </a:solidFill>
+                <a:latin typeface="Times New Roman" panose="02020603050405020304" charset="0"/>
+                <a:cs typeface="Times New Roman" panose="02020603050405020304" charset="0"/>
+              </a:rPr>
+              <a:t>kyon:</a:t>
+            </a:r>
+            <a:r>
+              <a:rPr lang="en-US" altLang="zh-CN" sz="1200">
+                <a:solidFill>
+                  <a:schemeClr val="bg1"/>
+                </a:solidFill>
+                <a:latin typeface="Times New Roman" panose="02020603050405020304" charset="0"/>
+                <a:cs typeface="Times New Roman" panose="02020603050405020304" charset="0"/>
+                <a:sym typeface="+mn-ea"/>
+              </a:rPr>
+              <a:t>「If we form a club, what should we name it?」</a:t>
+            </a:r>
+            <a:endParaRPr lang="en-US" altLang="zh-CN" sz="1200">
+              <a:solidFill>
+                <a:schemeClr val="bg1"/>
+              </a:solidFill>
+              <a:latin typeface="Times New Roman" panose="02020603050405020304" charset="0"/>
+              <a:cs typeface="Times New Roman" panose="02020603050405020304" charset="0"/>
+            </a:endParaRPr>
+          </a:p>
+          <a:p>
+            <a:endParaRPr lang="en-US" altLang="zh-CN" sz="1200">
+              <a:solidFill>
+                <a:schemeClr val="bg1"/>
+              </a:solidFill>
+              <a:latin typeface="Times New Roman" panose="02020603050405020304" charset="0"/>
+              <a:cs typeface="Times New Roman" panose="02020603050405020304" charset="0"/>
+            </a:endParaRPr>
+          </a:p>
+        </p:txBody>
+      </p:sp>
+      <p:sp>
+        <p:nvSpPr>
+          <p:cNvPr id="9" name="文本框 8"/>
+          <p:cNvSpPr txBox="1"/>
+          <p:nvPr>
+            <p:custDataLst>
+              <p:tags r:id="rId3"/>
+            </p:custDataLst>
+          </p:nvPr>
+        </p:nvSpPr>
+        <p:spPr>
+          <a:xfrm>
+            <a:off x="-67945" y="3188970"/>
+            <a:ext cx="10855325" cy="551815"/>
+          </a:xfrm>
+          <a:prstGeom prst="rect">
+            <a:avLst/>
+          </a:prstGeom>
+          <a:noFill/>
+        </p:spPr>
+        <p:txBody>
+          <a:bodyPr wrap="square" rtlCol="0">
+            <a:noAutofit/>
+          </a:bodyPr>
+          <a:p>
+            <a:r>
+              <a:rPr lang="en-US" altLang="zh-CN" sz="1200">
+                <a:solidFill>
+                  <a:schemeClr val="bg1"/>
+                </a:solidFill>
+                <a:latin typeface="Times New Roman" panose="02020603050405020304" charset="0"/>
+                <a:cs typeface="Times New Roman" panose="02020603050405020304" charset="0"/>
+              </a:rPr>
+              <a:t>                                           haruhi:</a:t>
+            </a:r>
+            <a:r>
+              <a:rPr lang="en-US" altLang="zh-CN" sz="1200">
+                <a:solidFill>
+                  <a:schemeClr val="bg1"/>
+                </a:solidFill>
+                <a:latin typeface="Times New Roman" panose="02020603050405020304" charset="0"/>
+                <a:cs typeface="Times New Roman" panose="02020603050405020304" charset="0"/>
+                <a:sym typeface="+mn-ea"/>
+              </a:rPr>
+              <a:t>「I've already decided on a name for the club - the Save the </a:t>
+            </a:r>
+            <a:endParaRPr lang="en-US" altLang="zh-CN" sz="1200">
+              <a:solidFill>
+                <a:schemeClr val="bg1"/>
+              </a:solidFill>
+              <a:latin typeface="Times New Roman" panose="02020603050405020304" charset="0"/>
+              <a:cs typeface="Times New Roman" panose="02020603050405020304" charset="0"/>
+              <a:sym typeface="+mn-ea"/>
+            </a:endParaRPr>
+          </a:p>
+          <a:p>
+            <a:r>
+              <a:rPr lang="en-US" altLang="zh-CN" sz="1200">
+                <a:solidFill>
+                  <a:schemeClr val="bg1"/>
+                </a:solidFill>
+                <a:latin typeface="Times New Roman" panose="02020603050405020304" charset="0"/>
+                <a:cs typeface="Times New Roman" panose="02020603050405020304" charset="0"/>
+                <a:sym typeface="+mn-ea"/>
+              </a:rPr>
+              <a:t>   World by Overloading it with Fun Haruhi Suzumiya Brigade, also known as the SOS Brigade.」</a:t>
+            </a:r>
+            <a:endParaRPr lang="en-US" altLang="zh-CN" sz="1200">
+              <a:solidFill>
+                <a:schemeClr val="bg1"/>
+              </a:solidFill>
+              <a:latin typeface="Times New Roman" panose="02020603050405020304" charset="0"/>
+              <a:cs typeface="Times New Roman" panose="02020603050405020304" charset="0"/>
+            </a:endParaRPr>
+          </a:p>
+          <a:p>
+            <a:endParaRPr lang="en-US" altLang="zh-CN" sz="1200">
+              <a:solidFill>
+                <a:schemeClr val="bg1"/>
+              </a:solidFill>
+              <a:latin typeface="Times New Roman" panose="02020603050405020304" charset="0"/>
+              <a:cs typeface="Times New Roman" panose="02020603050405020304" charset="0"/>
+            </a:endParaRPr>
+          </a:p>
+        </p:txBody>
+      </p:sp>
     </p:spTree>
-    <p:extLst>
-      <p:ext uri="{BB962C8B-B14F-4D97-AF65-F5344CB8AC3E}">
-        <p14:creationId xmlns:p14="http://schemas.microsoft.com/office/powerpoint/2010/main" val="1899583169"/>
-      </p:ext>
-    </p:extLst>
   </p:cSld>
   <p:clrMapOvr>
     <a:masterClrMapping/>
   </p:clrMapOvr>
 </p:sld>
+</file>
+
+<file path=ppt/tags/tag1.xml><?xml version="1.0" encoding="utf-8"?>
+<p:tagLst xmlns:p="http://schemas.openxmlformats.org/presentationml/2006/main">
+  <p:tag name="KSO_WM_BEAUTIFY_FLAG" val=""/>
+</p:tagLst>
+</file>
+
+<file path=ppt/tags/tag2.xml><?xml version="1.0" encoding="utf-8"?>
+<p:tagLst xmlns:p="http://schemas.openxmlformats.org/presentationml/2006/main">
+  <p:tag name="KSO_WM_BEAUTIFY_FLAG" val=""/>
+</p:tagLst>
+</file>
+
+<file path=ppt/tags/tag3.xml><?xml version="1.0" encoding="utf-8"?>
+<p:tagLst xmlns:p="http://schemas.openxmlformats.org/presentationml/2006/main">
+  <p:tag name="COMMONDATA" val="eyJoZGlkIjoiNTM2ZGM2ODEzNThhODVhMjJiMDNlNGE1MWUyNWZhMDkifQ=="/>
+  <p:tag name="KSO_WPP_MARK_KEY" val="ca83fd51-a883-490a-b357-eafb75b57302"/>
+</p:tagLst>
 </file>
 
 <file path=ppt/theme/theme1.xml><?xml version="1.0" encoding="utf-8"?>
@@ -3119,7 +3347,7 @@
     </a:clrScheme>
     <a:fontScheme name="Office Theme">
       <a:majorFont>
-        <a:latin typeface="Calibri Light" panose="020F0302020204030204"/>
+        <a:latin typeface="Calibri Light"/>
         <a:ea typeface=""/>
         <a:cs typeface=""/>
         <a:font script="Jpan" typeface="游ゴシック Light"/>
@@ -3154,7 +3382,7 @@
         <a:font script="Geor" typeface="Sylfaen"/>
       </a:majorFont>
       <a:minorFont>
-        <a:latin typeface="Calibri" panose="020F0502020204030204"/>
+        <a:latin typeface="Calibri"/>
         <a:ea typeface=""/>
         <a:cs typeface=""/>
         <a:font script="Jpan" typeface="游ゴシック"/>
@@ -3327,8 +3555,6 @@
       </a:bgFillStyleLst>
     </a:fmtScheme>
   </a:themeElements>
-  <a:objectDefaults/>
-  <a:extraClrSchemeLst/>
   <a:extLst>
     <a:ext uri="{05A4C25C-085E-4340-85A3-A5531E510DB2}">
       <thm15:themeFamily xmlns:thm15="http://schemas.microsoft.com/office/thememl/2012/main" name="Office Theme" id="{62F939B6-93AF-4DB8-9C6B-D6C7DFDC589F}" vid="{4A3C46E8-61CC-4603-A589-7422A47A8E4A}"/>

--- a/figures/figure_sample.pptx
+++ b/figures/figure_sample.pptx
@@ -5,12 +5,12 @@
     <p:sldMasterId id="2147483648" r:id="rId1"/>
   </p:sldMasterIdLst>
   <p:sldIdLst>
-    <p:sldId id="256" r:id="rId3"/>
+    <p:sldId id="256" r:id="rId2"/>
   </p:sldIdLst>
   <p:sldSz cx="12192000" cy="3527425"/>
   <p:notesSz cx="6858000" cy="9144000"/>
   <p:custDataLst>
-    <p:tags r:id="rId7"/>
+    <p:tags r:id="rId3"/>
   </p:custDataLst>
   <p:defaultTextStyle>
     <a:defPPr>
@@ -257,6 +257,7 @@
           <a:p>
             <a:fld id="{32DA9CA3-1682-4D49-BD84-33DE32D3C0F7}" type="datetimeFigureOut">
               <a:rPr lang="en-US" smtClean="0"/>
+              <a:t>8/17/23</a:t>
             </a:fld>
             <a:endParaRPr lang="en-US"/>
           </a:p>
@@ -298,6 +299,7 @@
           <a:p>
             <a:fld id="{56040734-3020-B24F-9D43-20822771C920}" type="slidenum">
               <a:rPr lang="en-US" smtClean="0"/>
+              <a:t>‹#›</a:t>
             </a:fld>
             <a:endParaRPr lang="en-US"/>
           </a:p>
@@ -371,7 +373,6 @@
               <a:rPr lang="en-US"/>
               <a:t>Click to edit Master text styles</a:t>
             </a:r>
-            <a:endParaRPr lang="en-US"/>
           </a:p>
           <a:p>
             <a:pPr lvl="1"/>
@@ -379,7 +380,6 @@
               <a:rPr lang="en-US"/>
               <a:t>Second level</a:t>
             </a:r>
-            <a:endParaRPr lang="en-US"/>
           </a:p>
           <a:p>
             <a:pPr lvl="2"/>
@@ -387,7 +387,6 @@
               <a:rPr lang="en-US"/>
               <a:t>Third level</a:t>
             </a:r>
-            <a:endParaRPr lang="en-US"/>
           </a:p>
           <a:p>
             <a:pPr lvl="3"/>
@@ -395,7 +394,6 @@
               <a:rPr lang="en-US"/>
               <a:t>Fourth level</a:t>
             </a:r>
-            <a:endParaRPr lang="en-US"/>
           </a:p>
           <a:p>
             <a:pPr lvl="4"/>
@@ -424,6 +422,7 @@
           <a:p>
             <a:fld id="{32DA9CA3-1682-4D49-BD84-33DE32D3C0F7}" type="datetimeFigureOut">
               <a:rPr lang="en-US" smtClean="0"/>
+              <a:t>8/17/23</a:t>
             </a:fld>
             <a:endParaRPr lang="en-US"/>
           </a:p>
@@ -465,6 +464,7 @@
           <a:p>
             <a:fld id="{56040734-3020-B24F-9D43-20822771C920}" type="slidenum">
               <a:rPr lang="en-US" smtClean="0"/>
+              <a:t>‹#›</a:t>
             </a:fld>
             <a:endParaRPr lang="en-US"/>
           </a:p>
@@ -548,7 +548,6 @@
               <a:rPr lang="en-US"/>
               <a:t>Click to edit Master text styles</a:t>
             </a:r>
-            <a:endParaRPr lang="en-US"/>
           </a:p>
           <a:p>
             <a:pPr lvl="1"/>
@@ -556,7 +555,6 @@
               <a:rPr lang="en-US"/>
               <a:t>Second level</a:t>
             </a:r>
-            <a:endParaRPr lang="en-US"/>
           </a:p>
           <a:p>
             <a:pPr lvl="2"/>
@@ -564,7 +562,6 @@
               <a:rPr lang="en-US"/>
               <a:t>Third level</a:t>
             </a:r>
-            <a:endParaRPr lang="en-US"/>
           </a:p>
           <a:p>
             <a:pPr lvl="3"/>
@@ -572,7 +569,6 @@
               <a:rPr lang="en-US"/>
               <a:t>Fourth level</a:t>
             </a:r>
-            <a:endParaRPr lang="en-US"/>
           </a:p>
           <a:p>
             <a:pPr lvl="4"/>
@@ -601,6 +597,7 @@
           <a:p>
             <a:fld id="{32DA9CA3-1682-4D49-BD84-33DE32D3C0F7}" type="datetimeFigureOut">
               <a:rPr lang="en-US" smtClean="0"/>
+              <a:t>8/17/23</a:t>
             </a:fld>
             <a:endParaRPr lang="en-US"/>
           </a:p>
@@ -642,6 +639,7 @@
           <a:p>
             <a:fld id="{56040734-3020-B24F-9D43-20822771C920}" type="slidenum">
               <a:rPr lang="en-US" smtClean="0"/>
+              <a:t>‹#›</a:t>
             </a:fld>
             <a:endParaRPr lang="en-US"/>
           </a:p>
@@ -715,7 +713,6 @@
               <a:rPr lang="en-US"/>
               <a:t>Click to edit Master text styles</a:t>
             </a:r>
-            <a:endParaRPr lang="en-US"/>
           </a:p>
           <a:p>
             <a:pPr lvl="1"/>
@@ -723,7 +720,6 @@
               <a:rPr lang="en-US"/>
               <a:t>Second level</a:t>
             </a:r>
-            <a:endParaRPr lang="en-US"/>
           </a:p>
           <a:p>
             <a:pPr lvl="2"/>
@@ -731,7 +727,6 @@
               <a:rPr lang="en-US"/>
               <a:t>Third level</a:t>
             </a:r>
-            <a:endParaRPr lang="en-US"/>
           </a:p>
           <a:p>
             <a:pPr lvl="3"/>
@@ -739,7 +734,6 @@
               <a:rPr lang="en-US"/>
               <a:t>Fourth level</a:t>
             </a:r>
-            <a:endParaRPr lang="en-US"/>
           </a:p>
           <a:p>
             <a:pPr lvl="4"/>
@@ -768,6 +762,7 @@
           <a:p>
             <a:fld id="{32DA9CA3-1682-4D49-BD84-33DE32D3C0F7}" type="datetimeFigureOut">
               <a:rPr lang="en-US" smtClean="0"/>
+              <a:t>8/17/23</a:t>
             </a:fld>
             <a:endParaRPr lang="en-US"/>
           </a:p>
@@ -809,6 +804,7 @@
           <a:p>
             <a:fld id="{56040734-3020-B24F-9D43-20822771C920}" type="slidenum">
               <a:rPr lang="en-US" smtClean="0"/>
+              <a:t>‹#›</a:t>
             </a:fld>
             <a:endParaRPr lang="en-US"/>
           </a:p>
@@ -987,7 +983,6 @@
               <a:rPr lang="en-US"/>
               <a:t>Click to edit Master text styles</a:t>
             </a:r>
-            <a:endParaRPr lang="en-US"/>
           </a:p>
         </p:txBody>
       </p:sp>
@@ -1008,6 +1003,7 @@
           <a:p>
             <a:fld id="{32DA9CA3-1682-4D49-BD84-33DE32D3C0F7}" type="datetimeFigureOut">
               <a:rPr lang="en-US" smtClean="0"/>
+              <a:t>8/17/23</a:t>
             </a:fld>
             <a:endParaRPr lang="en-US"/>
           </a:p>
@@ -1049,6 +1045,7 @@
           <a:p>
             <a:fld id="{56040734-3020-B24F-9D43-20822771C920}" type="slidenum">
               <a:rPr lang="en-US" smtClean="0"/>
+              <a:t>‹#›</a:t>
             </a:fld>
             <a:endParaRPr lang="en-US"/>
           </a:p>
@@ -1127,7 +1124,6 @@
               <a:rPr lang="en-US"/>
               <a:t>Click to edit Master text styles</a:t>
             </a:r>
-            <a:endParaRPr lang="en-US"/>
           </a:p>
           <a:p>
             <a:pPr lvl="1"/>
@@ -1135,7 +1131,6 @@
               <a:rPr lang="en-US"/>
               <a:t>Second level</a:t>
             </a:r>
-            <a:endParaRPr lang="en-US"/>
           </a:p>
           <a:p>
             <a:pPr lvl="2"/>
@@ -1143,7 +1138,6 @@
               <a:rPr lang="en-US"/>
               <a:t>Third level</a:t>
             </a:r>
-            <a:endParaRPr lang="en-US"/>
           </a:p>
           <a:p>
             <a:pPr lvl="3"/>
@@ -1151,7 +1145,6 @@
               <a:rPr lang="en-US"/>
               <a:t>Fourth level</a:t>
             </a:r>
-            <a:endParaRPr lang="en-US"/>
           </a:p>
           <a:p>
             <a:pPr lvl="4"/>
@@ -1188,7 +1181,6 @@
               <a:rPr lang="en-US"/>
               <a:t>Click to edit Master text styles</a:t>
             </a:r>
-            <a:endParaRPr lang="en-US"/>
           </a:p>
           <a:p>
             <a:pPr lvl="1"/>
@@ -1196,7 +1188,6 @@
               <a:rPr lang="en-US"/>
               <a:t>Second level</a:t>
             </a:r>
-            <a:endParaRPr lang="en-US"/>
           </a:p>
           <a:p>
             <a:pPr lvl="2"/>
@@ -1204,7 +1195,6 @@
               <a:rPr lang="en-US"/>
               <a:t>Third level</a:t>
             </a:r>
-            <a:endParaRPr lang="en-US"/>
           </a:p>
           <a:p>
             <a:pPr lvl="3"/>
@@ -1212,7 +1202,6 @@
               <a:rPr lang="en-US"/>
               <a:t>Fourth level</a:t>
             </a:r>
-            <a:endParaRPr lang="en-US"/>
           </a:p>
           <a:p>
             <a:pPr lvl="4"/>
@@ -1241,6 +1230,7 @@
           <a:p>
             <a:fld id="{32DA9CA3-1682-4D49-BD84-33DE32D3C0F7}" type="datetimeFigureOut">
               <a:rPr lang="en-US" smtClean="0"/>
+              <a:t>8/17/23</a:t>
             </a:fld>
             <a:endParaRPr lang="en-US"/>
           </a:p>
@@ -1282,6 +1272,7 @@
           <a:p>
             <a:fld id="{56040734-3020-B24F-9D43-20822771C920}" type="slidenum">
               <a:rPr lang="en-US" smtClean="0"/>
+              <a:t>‹#›</a:t>
             </a:fld>
             <a:endParaRPr lang="en-US"/>
           </a:p>
@@ -1402,7 +1393,6 @@
               <a:rPr lang="en-US"/>
               <a:t>Click to edit Master text styles</a:t>
             </a:r>
-            <a:endParaRPr lang="en-US"/>
           </a:p>
         </p:txBody>
       </p:sp>
@@ -1431,7 +1421,6 @@
               <a:rPr lang="en-US"/>
               <a:t>Click to edit Master text styles</a:t>
             </a:r>
-            <a:endParaRPr lang="en-US"/>
           </a:p>
           <a:p>
             <a:pPr lvl="1"/>
@@ -1439,7 +1428,6 @@
               <a:rPr lang="en-US"/>
               <a:t>Second level</a:t>
             </a:r>
-            <a:endParaRPr lang="en-US"/>
           </a:p>
           <a:p>
             <a:pPr lvl="2"/>
@@ -1447,7 +1435,6 @@
               <a:rPr lang="en-US"/>
               <a:t>Third level</a:t>
             </a:r>
-            <a:endParaRPr lang="en-US"/>
           </a:p>
           <a:p>
             <a:pPr lvl="3"/>
@@ -1455,7 +1442,6 @@
               <a:rPr lang="en-US"/>
               <a:t>Fourth level</a:t>
             </a:r>
-            <a:endParaRPr lang="en-US"/>
           </a:p>
           <a:p>
             <a:pPr lvl="4"/>
@@ -1529,7 +1515,6 @@
               <a:rPr lang="en-US"/>
               <a:t>Click to edit Master text styles</a:t>
             </a:r>
-            <a:endParaRPr lang="en-US"/>
           </a:p>
         </p:txBody>
       </p:sp>
@@ -1558,7 +1543,6 @@
               <a:rPr lang="en-US"/>
               <a:t>Click to edit Master text styles</a:t>
             </a:r>
-            <a:endParaRPr lang="en-US"/>
           </a:p>
           <a:p>
             <a:pPr lvl="1"/>
@@ -1566,7 +1550,6 @@
               <a:rPr lang="en-US"/>
               <a:t>Second level</a:t>
             </a:r>
-            <a:endParaRPr lang="en-US"/>
           </a:p>
           <a:p>
             <a:pPr lvl="2"/>
@@ -1574,7 +1557,6 @@
               <a:rPr lang="en-US"/>
               <a:t>Third level</a:t>
             </a:r>
-            <a:endParaRPr lang="en-US"/>
           </a:p>
           <a:p>
             <a:pPr lvl="3"/>
@@ -1582,7 +1564,6 @@
               <a:rPr lang="en-US"/>
               <a:t>Fourth level</a:t>
             </a:r>
-            <a:endParaRPr lang="en-US"/>
           </a:p>
           <a:p>
             <a:pPr lvl="4"/>
@@ -1611,6 +1592,7 @@
           <a:p>
             <a:fld id="{32DA9CA3-1682-4D49-BD84-33DE32D3C0F7}" type="datetimeFigureOut">
               <a:rPr lang="en-US" smtClean="0"/>
+              <a:t>8/17/23</a:t>
             </a:fld>
             <a:endParaRPr lang="en-US"/>
           </a:p>
@@ -1652,6 +1634,7 @@
           <a:p>
             <a:fld id="{56040734-3020-B24F-9D43-20822771C920}" type="slidenum">
               <a:rPr lang="en-US" smtClean="0"/>
+              <a:t>‹#›</a:t>
             </a:fld>
             <a:endParaRPr lang="en-US"/>
           </a:p>
@@ -1722,6 +1705,7 @@
           <a:p>
             <a:fld id="{32DA9CA3-1682-4D49-BD84-33DE32D3C0F7}" type="datetimeFigureOut">
               <a:rPr lang="en-US" smtClean="0"/>
+              <a:t>8/17/23</a:t>
             </a:fld>
             <a:endParaRPr lang="en-US"/>
           </a:p>
@@ -1763,6 +1747,7 @@
           <a:p>
             <a:fld id="{56040734-3020-B24F-9D43-20822771C920}" type="slidenum">
               <a:rPr lang="en-US" smtClean="0"/>
+              <a:t>‹#›</a:t>
             </a:fld>
             <a:endParaRPr lang="en-US"/>
           </a:p>
@@ -1810,6 +1795,7 @@
           <a:p>
             <a:fld id="{32DA9CA3-1682-4D49-BD84-33DE32D3C0F7}" type="datetimeFigureOut">
               <a:rPr lang="en-US" smtClean="0"/>
+              <a:t>8/17/23</a:t>
             </a:fld>
             <a:endParaRPr lang="en-US"/>
           </a:p>
@@ -1851,6 +1837,7 @@
           <a:p>
             <a:fld id="{56040734-3020-B24F-9D43-20822771C920}" type="slidenum">
               <a:rPr lang="en-US" smtClean="0"/>
+              <a:t>‹#›</a:t>
             </a:fld>
             <a:endParaRPr lang="en-US"/>
           </a:p>
@@ -1966,7 +1953,6 @@
               <a:rPr lang="en-US"/>
               <a:t>Click to edit Master text styles</a:t>
             </a:r>
-            <a:endParaRPr lang="en-US"/>
           </a:p>
           <a:p>
             <a:pPr lvl="1"/>
@@ -1974,7 +1960,6 @@
               <a:rPr lang="en-US"/>
               <a:t>Second level</a:t>
             </a:r>
-            <a:endParaRPr lang="en-US"/>
           </a:p>
           <a:p>
             <a:pPr lvl="2"/>
@@ -1982,7 +1967,6 @@
               <a:rPr lang="en-US"/>
               <a:t>Third level</a:t>
             </a:r>
-            <a:endParaRPr lang="en-US"/>
           </a:p>
           <a:p>
             <a:pPr lvl="3"/>
@@ -1990,7 +1974,6 @@
               <a:rPr lang="en-US"/>
               <a:t>Fourth level</a:t>
             </a:r>
-            <a:endParaRPr lang="en-US"/>
           </a:p>
           <a:p>
             <a:pPr lvl="4"/>
@@ -2064,7 +2047,6 @@
               <a:rPr lang="en-US"/>
               <a:t>Click to edit Master text styles</a:t>
             </a:r>
-            <a:endParaRPr lang="en-US"/>
           </a:p>
         </p:txBody>
       </p:sp>
@@ -2085,6 +2067,7 @@
           <a:p>
             <a:fld id="{32DA9CA3-1682-4D49-BD84-33DE32D3C0F7}" type="datetimeFigureOut">
               <a:rPr lang="en-US" smtClean="0"/>
+              <a:t>8/17/23</a:t>
             </a:fld>
             <a:endParaRPr lang="en-US"/>
           </a:p>
@@ -2126,6 +2109,7 @@
           <a:p>
             <a:fld id="{56040734-3020-B24F-9D43-20822771C920}" type="slidenum">
               <a:rPr lang="en-US" smtClean="0"/>
+              <a:t>‹#›</a:t>
             </a:fld>
             <a:endParaRPr lang="en-US"/>
           </a:p>
@@ -2315,7 +2299,6 @@
               <a:rPr lang="en-US"/>
               <a:t>Click to edit Master text styles</a:t>
             </a:r>
-            <a:endParaRPr lang="en-US"/>
           </a:p>
         </p:txBody>
       </p:sp>
@@ -2336,6 +2319,7 @@
           <a:p>
             <a:fld id="{32DA9CA3-1682-4D49-BD84-33DE32D3C0F7}" type="datetimeFigureOut">
               <a:rPr lang="en-US" smtClean="0"/>
+              <a:t>8/17/23</a:t>
             </a:fld>
             <a:endParaRPr lang="en-US"/>
           </a:p>
@@ -2377,6 +2361,7 @@
           <a:p>
             <a:fld id="{56040734-3020-B24F-9D43-20822771C920}" type="slidenum">
               <a:rPr lang="en-US" smtClean="0"/>
+              <a:t>‹#›</a:t>
             </a:fld>
             <a:endParaRPr lang="en-US"/>
           </a:p>
@@ -2475,7 +2460,6 @@
               <a:rPr lang="en-US"/>
               <a:t>Click to edit Master text styles</a:t>
             </a:r>
-            <a:endParaRPr lang="en-US"/>
           </a:p>
           <a:p>
             <a:pPr lvl="1"/>
@@ -2483,7 +2467,6 @@
               <a:rPr lang="en-US"/>
               <a:t>Second level</a:t>
             </a:r>
-            <a:endParaRPr lang="en-US"/>
           </a:p>
           <a:p>
             <a:pPr lvl="2"/>
@@ -2491,7 +2474,6 @@
               <a:rPr lang="en-US"/>
               <a:t>Third level</a:t>
             </a:r>
-            <a:endParaRPr lang="en-US"/>
           </a:p>
           <a:p>
             <a:pPr lvl="3"/>
@@ -2499,7 +2481,6 @@
               <a:rPr lang="en-US"/>
               <a:t>Fourth level</a:t>
             </a:r>
-            <a:endParaRPr lang="en-US"/>
           </a:p>
           <a:p>
             <a:pPr lvl="4"/>
@@ -2546,6 +2527,7 @@
           <a:p>
             <a:fld id="{32DA9CA3-1682-4D49-BD84-33DE32D3C0F7}" type="datetimeFigureOut">
               <a:rPr lang="en-US" smtClean="0"/>
+              <a:t>8/17/23</a:t>
             </a:fld>
             <a:endParaRPr lang="en-US"/>
           </a:p>
@@ -2623,6 +2605,7 @@
           <a:p>
             <a:fld id="{56040734-3020-B24F-9D43-20822771C920}" type="slidenum">
               <a:rPr lang="en-US" smtClean="0"/>
+              <a:t>‹#›</a:t>
             </a:fld>
             <a:endParaRPr lang="en-US"/>
           </a:p>
@@ -2997,7 +2980,7 @@
           <p:nvPr/>
         </p:nvPicPr>
         <p:blipFill rotWithShape="1">
-          <a:blip r:embed="rId1"/>
+          <a:blip r:embed="rId4"/>
           <a:srcRect l="1953" t="10515" r="1200" b="38203"/>
           <a:stretch>
             <a:fillRect/>
@@ -3033,19 +3016,30 @@
           <a:bodyPr wrap="square" rtlCol="0">
             <a:spAutoFit/>
           </a:bodyPr>
-          <a:p>
-            <a:r>
-              <a:rPr lang="en-US" altLang="zh-CN" sz="1200">
+          <a:lstStyle/>
+          <a:p>
+            <a:r>
+              <a:rPr lang="en-US" altLang="zh-CN" sz="1200" dirty="0" err="1">
                 <a:solidFill>
                   <a:schemeClr val="bg1"/>
                 </a:solidFill>
                 <a:latin typeface="Times New Roman" panose="02020603050405020304" charset="0"/>
                 <a:cs typeface="Times New Roman" panose="02020603050405020304" charset="0"/>
               </a:rPr>
-              <a:t>kyon:「What should I do since all the clubs at school are so boring?</a:t>
-            </a:r>
-            <a:r>
-              <a:rPr lang="en-US" altLang="zh-CN" sz="1200">
+              <a:t>Kyon</a:t>
+            </a:r>
+            <a:r>
+              <a:rPr lang="en-US" altLang="zh-CN" sz="1200" dirty="0">
+                <a:solidFill>
+                  <a:schemeClr val="bg1"/>
+                </a:solidFill>
+                <a:latin typeface="Times New Roman" panose="02020603050405020304" charset="0"/>
+                <a:cs typeface="Times New Roman" panose="02020603050405020304" charset="0"/>
+              </a:rPr>
+              <a:t>:「What should I do since all the clubs at school are so boring?</a:t>
+            </a:r>
+            <a:r>
+              <a:rPr lang="en-US" altLang="zh-CN" sz="1200" dirty="0">
                 <a:solidFill>
                   <a:schemeClr val="bg1"/>
                 </a:solidFill>
@@ -3055,7 +3049,7 @@
               </a:rPr>
               <a:t>」</a:t>
             </a:r>
-            <a:endParaRPr lang="en-US" altLang="zh-CN" sz="1200">
+            <a:endParaRPr lang="en-US" altLang="zh-CN" sz="1200" dirty="0">
               <a:solidFill>
                 <a:schemeClr val="bg1"/>
               </a:solidFill>
@@ -3085,19 +3079,30 @@
           <a:bodyPr wrap="square" rtlCol="0">
             <a:noAutofit/>
           </a:bodyPr>
-          <a:p>
-            <a:r>
-              <a:rPr lang="en-US" altLang="zh-CN" sz="1200">
+          <a:lstStyle/>
+          <a:p>
+            <a:r>
+              <a:rPr lang="en-US" altLang="zh-CN" sz="1200" dirty="0" err="1">
                 <a:solidFill>
                   <a:schemeClr val="bg1"/>
                 </a:solidFill>
                 <a:latin typeface="Times New Roman" panose="02020603050405020304" charset="0"/>
                 <a:cs typeface="Times New Roman" panose="02020603050405020304" charset="0"/>
               </a:rPr>
-              <a:t>haruhi:</a:t>
-            </a:r>
-            <a:r>
-              <a:rPr lang="en-US" altLang="zh-CN" sz="1200">
+              <a:t>Haruhi</a:t>
+            </a:r>
+            <a:r>
+              <a:rPr lang="en-US" altLang="zh-CN" sz="1200" dirty="0">
+                <a:solidFill>
+                  <a:schemeClr val="bg1"/>
+                </a:solidFill>
+                <a:latin typeface="Times New Roman" panose="02020603050405020304" charset="0"/>
+                <a:cs typeface="Times New Roman" panose="02020603050405020304" charset="0"/>
+              </a:rPr>
+              <a:t>:</a:t>
+            </a:r>
+            <a:r>
+              <a:rPr lang="en-US" altLang="zh-CN" sz="1200" dirty="0">
                 <a:solidFill>
                   <a:schemeClr val="bg1"/>
                 </a:solidFill>
@@ -3107,7 +3112,7 @@
               </a:rPr>
               <a:t>「You're right, these clubs are too ordinary and lack creativity and uniqueness.」</a:t>
             </a:r>
-            <a:endParaRPr lang="en-US" altLang="zh-CN" sz="1200">
+            <a:endParaRPr lang="en-US" altLang="zh-CN" sz="1200" dirty="0">
               <a:solidFill>
                 <a:schemeClr val="bg1"/>
               </a:solidFill>
@@ -3116,7 +3121,7 @@
             </a:endParaRPr>
           </a:p>
           <a:p>
-            <a:endParaRPr lang="en-US" altLang="zh-CN" sz="1200">
+            <a:endParaRPr lang="en-US" altLang="zh-CN" sz="1200" dirty="0">
               <a:solidFill>
                 <a:schemeClr val="bg1"/>
               </a:solidFill>
@@ -3132,7 +3137,7 @@
           <p:cNvSpPr txBox="1"/>
           <p:nvPr>
             <p:custDataLst>
-              <p:tags r:id="rId2"/>
+              <p:tags r:id="rId1"/>
             </p:custDataLst>
           </p:nvPr>
         </p:nvSpPr>
@@ -3150,19 +3155,30 @@
           <a:bodyPr wrap="square" rtlCol="0">
             <a:noAutofit/>
           </a:bodyPr>
-          <a:p>
-            <a:r>
-              <a:rPr lang="en-US" altLang="zh-CN" sz="1200">
+          <a:lstStyle/>
+          <a:p>
+            <a:r>
+              <a:rPr lang="en-US" altLang="zh-CN" sz="1200" dirty="0" err="1">
                 <a:solidFill>
                   <a:schemeClr val="bg1"/>
                 </a:solidFill>
                 <a:latin typeface="Times New Roman" panose="02020603050405020304" charset="0"/>
                 <a:cs typeface="Times New Roman" panose="02020603050405020304" charset="0"/>
               </a:rPr>
-              <a:t>kyon:</a:t>
-            </a:r>
-            <a:r>
-              <a:rPr lang="en-US" altLang="zh-CN" sz="1200">
+              <a:t>Kyon</a:t>
+            </a:r>
+            <a:r>
+              <a:rPr lang="en-US" altLang="zh-CN" sz="1200" dirty="0">
+                <a:solidFill>
+                  <a:schemeClr val="bg1"/>
+                </a:solidFill>
+                <a:latin typeface="Times New Roman" panose="02020603050405020304" charset="0"/>
+                <a:cs typeface="Times New Roman" panose="02020603050405020304" charset="0"/>
+              </a:rPr>
+              <a:t>:</a:t>
+            </a:r>
+            <a:r>
+              <a:rPr lang="en-US" altLang="zh-CN" sz="1200" dirty="0">
                 <a:solidFill>
                   <a:schemeClr val="bg1"/>
                 </a:solidFill>
@@ -3172,7 +3188,7 @@
               </a:rPr>
               <a:t>「If we form a club, what should we name it?」</a:t>
             </a:r>
-            <a:endParaRPr lang="en-US" altLang="zh-CN" sz="1200">
+            <a:endParaRPr lang="en-US" altLang="zh-CN" sz="1200" dirty="0">
               <a:solidFill>
                 <a:schemeClr val="bg1"/>
               </a:solidFill>
@@ -3181,7 +3197,7 @@
             </a:endParaRPr>
           </a:p>
           <a:p>
-            <a:endParaRPr lang="en-US" altLang="zh-CN" sz="1200">
+            <a:endParaRPr lang="en-US" altLang="zh-CN" sz="1200" dirty="0">
               <a:solidFill>
                 <a:schemeClr val="bg1"/>
               </a:solidFill>
@@ -3197,13 +3213,13 @@
           <p:cNvSpPr txBox="1"/>
           <p:nvPr>
             <p:custDataLst>
-              <p:tags r:id="rId3"/>
+              <p:tags r:id="rId2"/>
             </p:custDataLst>
           </p:nvPr>
         </p:nvSpPr>
         <p:spPr>
           <a:xfrm>
-            <a:off x="-67945" y="3188970"/>
+            <a:off x="82884" y="3174047"/>
             <a:ext cx="10855325" cy="551815"/>
           </a:xfrm>
           <a:prstGeom prst="rect">
@@ -3215,19 +3231,40 @@
           <a:bodyPr wrap="square" rtlCol="0">
             <a:noAutofit/>
           </a:bodyPr>
-          <a:p>
-            <a:r>
-              <a:rPr lang="en-US" altLang="zh-CN" sz="1200">
+          <a:lstStyle/>
+          <a:p>
+            <a:r>
+              <a:rPr lang="en-US" altLang="zh-CN" sz="1200" dirty="0">
                 <a:solidFill>
                   <a:schemeClr val="bg1"/>
                 </a:solidFill>
                 <a:latin typeface="Times New Roman" panose="02020603050405020304" charset="0"/>
                 <a:cs typeface="Times New Roman" panose="02020603050405020304" charset="0"/>
               </a:rPr>
-              <a:t>                                           haruhi:</a:t>
-            </a:r>
-            <a:r>
-              <a:rPr lang="en-US" altLang="zh-CN" sz="1200">
+              <a:t>                                          </a:t>
+            </a:r>
+            <a:r>
+              <a:rPr lang="en-US" altLang="zh-CN" sz="1200" dirty="0" err="1">
+                <a:solidFill>
+                  <a:schemeClr val="bg1"/>
+                </a:solidFill>
+                <a:latin typeface="Times New Roman" panose="02020603050405020304" charset="0"/>
+                <a:cs typeface="Times New Roman" panose="02020603050405020304" charset="0"/>
+              </a:rPr>
+              <a:t>Haruhi</a:t>
+            </a:r>
+            <a:r>
+              <a:rPr lang="en-US" altLang="zh-CN" sz="1200" dirty="0">
+                <a:solidFill>
+                  <a:schemeClr val="bg1"/>
+                </a:solidFill>
+                <a:latin typeface="Times New Roman" panose="02020603050405020304" charset="0"/>
+                <a:cs typeface="Times New Roman" panose="02020603050405020304" charset="0"/>
+              </a:rPr>
+              <a:t>:</a:t>
+            </a:r>
+            <a:r>
+              <a:rPr lang="en-US" altLang="zh-CN" sz="1200" dirty="0">
                 <a:solidFill>
                   <a:schemeClr val="bg1"/>
                 </a:solidFill>
@@ -3237,18 +3274,10 @@
               </a:rPr>
               <a:t>「I've already decided on a name for the club - the Save the </a:t>
             </a:r>
-            <a:endParaRPr lang="en-US" altLang="zh-CN" sz="1200">
-              <a:solidFill>
-                <a:schemeClr val="bg1"/>
-              </a:solidFill>
-              <a:latin typeface="Times New Roman" panose="02020603050405020304" charset="0"/>
-              <a:cs typeface="Times New Roman" panose="02020603050405020304" charset="0"/>
-              <a:sym typeface="+mn-ea"/>
-            </a:endParaRPr>
-          </a:p>
-          <a:p>
-            <a:r>
-              <a:rPr lang="en-US" altLang="zh-CN" sz="1200">
+          </a:p>
+          <a:p>
+            <a:r>
+              <a:rPr lang="en-US" altLang="zh-CN" sz="1200" dirty="0">
                 <a:solidFill>
                   <a:schemeClr val="bg1"/>
                 </a:solidFill>
@@ -3256,9 +3285,53 @@
                 <a:cs typeface="Times New Roman" panose="02020603050405020304" charset="0"/>
                 <a:sym typeface="+mn-ea"/>
               </a:rPr>
-              <a:t>   World by Overloading it with Fun Haruhi Suzumiya Brigade, also known as the SOS Brigade.」</a:t>
-            </a:r>
-            <a:endParaRPr lang="en-US" altLang="zh-CN" sz="1200">
+              <a:t>   World by Overloading it with Fun </a:t>
+            </a:r>
+            <a:r>
+              <a:rPr lang="en-US" altLang="zh-CN" sz="1200" dirty="0" err="1">
+                <a:solidFill>
+                  <a:schemeClr val="bg1"/>
+                </a:solidFill>
+                <a:latin typeface="Times New Roman" panose="02020603050405020304" charset="0"/>
+                <a:cs typeface="Times New Roman" panose="02020603050405020304" charset="0"/>
+                <a:sym typeface="+mn-ea"/>
+              </a:rPr>
+              <a:t>Haruhi</a:t>
+            </a:r>
+            <a:r>
+              <a:rPr lang="en-US" altLang="zh-CN" sz="1200" dirty="0">
+                <a:solidFill>
+                  <a:schemeClr val="bg1"/>
+                </a:solidFill>
+                <a:latin typeface="Times New Roman" panose="02020603050405020304" charset="0"/>
+                <a:cs typeface="Times New Roman" panose="02020603050405020304" charset="0"/>
+                <a:sym typeface="+mn-ea"/>
+              </a:rPr>
+              <a:t> </a:t>
+            </a:r>
+            <a:r>
+              <a:rPr lang="en-US" altLang="zh-CN" sz="1200" dirty="0" err="1">
+                <a:solidFill>
+                  <a:schemeClr val="bg1"/>
+                </a:solidFill>
+                <a:latin typeface="Times New Roman" panose="02020603050405020304" charset="0"/>
+                <a:cs typeface="Times New Roman" panose="02020603050405020304" charset="0"/>
+                <a:sym typeface="+mn-ea"/>
+              </a:rPr>
+              <a:t>Suzumiya</a:t>
+            </a:r>
+            <a:r>
+              <a:rPr lang="en-US" altLang="zh-CN" sz="1200" dirty="0">
+                <a:solidFill>
+                  <a:schemeClr val="bg1"/>
+                </a:solidFill>
+                <a:latin typeface="Times New Roman" panose="02020603050405020304" charset="0"/>
+                <a:cs typeface="Times New Roman" panose="02020603050405020304" charset="0"/>
+                <a:sym typeface="+mn-ea"/>
+              </a:rPr>
+              <a:t> Brigade, also known as the SOS Brigade.」</a:t>
+            </a:r>
+            <a:endParaRPr lang="en-US" altLang="zh-CN" sz="1200" dirty="0">
               <a:solidFill>
                 <a:schemeClr val="bg1"/>
               </a:solidFill>
@@ -3267,7 +3340,7 @@
             </a:endParaRPr>
           </a:p>
           <a:p>
-            <a:endParaRPr lang="en-US" altLang="zh-CN" sz="1200">
+            <a:endParaRPr lang="en-US" altLang="zh-CN" sz="1200" dirty="0">
               <a:solidFill>
                 <a:schemeClr val="bg1"/>
               </a:solidFill>
@@ -3286,21 +3359,21 @@
 </file>
 
 <file path=ppt/tags/tag1.xml><?xml version="1.0" encoding="utf-8"?>
-<p:tagLst xmlns:p="http://schemas.openxmlformats.org/presentationml/2006/main">
-  <p:tag name="KSO_WM_BEAUTIFY_FLAG" val=""/>
+<p:tagLst xmlns:a="http://schemas.openxmlformats.org/drawingml/2006/main" xmlns:r="http://schemas.openxmlformats.org/officeDocument/2006/relationships" xmlns:p="http://schemas.openxmlformats.org/presentationml/2006/main">
+  <p:tag name="COMMONDATA" val="eyJoZGlkIjoiNTM2ZGM2ODEzNThhODVhMjJiMDNlNGE1MWUyNWZhMDkifQ=="/>
+  <p:tag name="KSO_WPP_MARK_KEY" val="ca83fd51-a883-490a-b357-eafb75b57302"/>
 </p:tagLst>
 </file>
 
 <file path=ppt/tags/tag2.xml><?xml version="1.0" encoding="utf-8"?>
-<p:tagLst xmlns:p="http://schemas.openxmlformats.org/presentationml/2006/main">
+<p:tagLst xmlns:a="http://schemas.openxmlformats.org/drawingml/2006/main" xmlns:r="http://schemas.openxmlformats.org/officeDocument/2006/relationships" xmlns:p="http://schemas.openxmlformats.org/presentationml/2006/main">
   <p:tag name="KSO_WM_BEAUTIFY_FLAG" val=""/>
 </p:tagLst>
 </file>
 
 <file path=ppt/tags/tag3.xml><?xml version="1.0" encoding="utf-8"?>
-<p:tagLst xmlns:p="http://schemas.openxmlformats.org/presentationml/2006/main">
-  <p:tag name="COMMONDATA" val="eyJoZGlkIjoiNTM2ZGM2ODEzNThhODVhMjJiMDNlNGE1MWUyNWZhMDkifQ=="/>
-  <p:tag name="KSO_WPP_MARK_KEY" val="ca83fd51-a883-490a-b357-eafb75b57302"/>
+<p:tagLst xmlns:a="http://schemas.openxmlformats.org/drawingml/2006/main" xmlns:r="http://schemas.openxmlformats.org/officeDocument/2006/relationships" xmlns:p="http://schemas.openxmlformats.org/presentationml/2006/main">
+  <p:tag name="KSO_WM_BEAUTIFY_FLAG" val=""/>
 </p:tagLst>
 </file>
 
@@ -3555,6 +3628,8 @@
       </a:bgFillStyleLst>
     </a:fmtScheme>
   </a:themeElements>
+  <a:objectDefaults/>
+  <a:extraClrSchemeLst/>
   <a:extLst>
     <a:ext uri="{05A4C25C-085E-4340-85A3-A5531E510DB2}">
       <thm15:themeFamily xmlns:thm15="http://schemas.microsoft.com/office/thememl/2012/main" name="Office Theme" id="{62F939B6-93AF-4DB8-9C6B-D6C7DFDC589F}" vid="{4A3C46E8-61CC-4603-A589-7422A47A8E4A}"/>
